--- a/Documents/BachelorProef_VanMol_Gerrit_Verdediging.pptx
+++ b/Documents/BachelorProef_VanMol_Gerrit_Verdediging.pptx
@@ -5,7 +5,7 @@
     <p:sldMasterId id="2147483648" r:id="rId1"/>
   </p:sldMasterIdLst>
   <p:notesMasterIdLst>
-    <p:notesMasterId r:id="rId21"/>
+    <p:notesMasterId r:id="rId24"/>
   </p:notesMasterIdLst>
   <p:sldIdLst>
     <p:sldId id="261" r:id="rId2"/>
@@ -15,18 +15,21 @@
     <p:sldId id="553" r:id="rId6"/>
     <p:sldId id="549" r:id="rId7"/>
     <p:sldId id="554" r:id="rId8"/>
-    <p:sldId id="550" r:id="rId9"/>
-    <p:sldId id="555" r:id="rId10"/>
-    <p:sldId id="551" r:id="rId11"/>
-    <p:sldId id="557" r:id="rId12"/>
-    <p:sldId id="552" r:id="rId13"/>
-    <p:sldId id="558" r:id="rId14"/>
-    <p:sldId id="563" r:id="rId15"/>
-    <p:sldId id="559" r:id="rId16"/>
-    <p:sldId id="560" r:id="rId17"/>
-    <p:sldId id="464" r:id="rId18"/>
-    <p:sldId id="561" r:id="rId19"/>
-    <p:sldId id="562" r:id="rId20"/>
+    <p:sldId id="551" r:id="rId9"/>
+    <p:sldId id="557" r:id="rId10"/>
+    <p:sldId id="550" r:id="rId11"/>
+    <p:sldId id="555" r:id="rId12"/>
+    <p:sldId id="564" r:id="rId13"/>
+    <p:sldId id="565" r:id="rId14"/>
+    <p:sldId id="566" r:id="rId15"/>
+    <p:sldId id="552" r:id="rId16"/>
+    <p:sldId id="558" r:id="rId17"/>
+    <p:sldId id="563" r:id="rId18"/>
+    <p:sldId id="559" r:id="rId19"/>
+    <p:sldId id="560" r:id="rId20"/>
+    <p:sldId id="464" r:id="rId21"/>
+    <p:sldId id="561" r:id="rId22"/>
+    <p:sldId id="562" r:id="rId23"/>
   </p:sldIdLst>
   <p:sldSz cx="12192000" cy="6858000"/>
   <p:notesSz cx="6858000" cy="9144000"/>
@@ -749,7 +752,7 @@
           <a:p>
             <a:fld id="{D8EBF3A7-A7E5-42B6-9154-500A7CB5E3E8}" type="datetimeFigureOut">
               <a:rPr lang="nl-BE" smtClean="0"/>
-              <a:t>8/06/2022</a:t>
+              <a:t>10/06/2022</a:t>
             </a:fld>
             <a:endParaRPr lang="nl-BE"/>
           </a:p>
@@ -3684,7 +3687,7 @@
           <a:p>
             <a:fld id="{3256510D-866F-4A54-9543-AD7E04D1A349}" type="datetime1">
               <a:rPr lang="nl-BE" smtClean="0"/>
-              <a:t>8/06/2022</a:t>
+              <a:t>10/06/2022</a:t>
             </a:fld>
             <a:endParaRPr lang="en-US"/>
           </a:p>
@@ -7757,7 +7760,7 @@
           <a:p>
             <a:r>
               <a:rPr lang="nl-BE" dirty="0"/>
-              <a:t>Huidige aanpak</a:t>
+              <a:t>Verschillende scenario’s</a:t>
             </a:r>
           </a:p>
         </p:txBody>
@@ -7863,7 +7866,7 @@
     </p:spTree>
     <p:extLst>
       <p:ext uri="{BB962C8B-B14F-4D97-AF65-F5344CB8AC3E}">
-        <p14:creationId xmlns:p14="http://schemas.microsoft.com/office/powerpoint/2010/main" val="3411472099"/>
+        <p14:creationId xmlns:p14="http://schemas.microsoft.com/office/powerpoint/2010/main" val="251864690"/>
       </p:ext>
     </p:extLst>
   </p:cSld>
@@ -7907,7 +7910,7 @@
           <a:p>
             <a:r>
               <a:rPr lang="nl-BE" dirty="0"/>
-              <a:t>Huidige aanpak</a:t>
+              <a:t>Originele oplossing (Fortimanager)</a:t>
             </a:r>
           </a:p>
         </p:txBody>
@@ -7922,7 +7925,12 @@
             <p:ph type="sldNum" sz="quarter" idx="12"/>
           </p:nvPr>
         </p:nvSpPr>
-        <p:spPr/>
+        <p:spPr>
+          <a:xfrm>
+            <a:off x="534290" y="6264211"/>
+            <a:ext cx="385789" cy="365125"/>
+          </a:xfrm>
+        </p:spPr>
         <p:txBody>
           <a:bodyPr/>
           <a:lstStyle/>
@@ -7932,7 +7940,10 @@
               <a:pPr/>
               <a:t>11</a:t>
             </a:fld>
-            <a:endParaRPr lang="nl-BE"/>
+            <a:r>
+              <a:rPr lang="nl-BE" dirty="0"/>
+              <a:t>/22</a:t>
+            </a:r>
           </a:p>
         </p:txBody>
       </p:sp>
@@ -7954,7 +7965,7 @@
         </p:nvSpPr>
         <p:spPr>
           <a:xfrm>
-            <a:off x="861246" y="6264211"/>
+            <a:off x="972347" y="6264211"/>
             <a:ext cx="4860046" cy="365125"/>
           </a:xfrm>
         </p:spPr>
@@ -7971,10 +7982,10 @@
       </p:sp>
       <p:pic>
         <p:nvPicPr>
-          <p:cNvPr id="5" name="Picture 4" descr="Diagram&#10;&#10;Description automatically generated">
-            <a:extLst>
-              <a:ext uri="{FF2B5EF4-FFF2-40B4-BE49-F238E27FC236}">
-                <a16:creationId xmlns:a16="http://schemas.microsoft.com/office/drawing/2014/main" id="{6E40D761-9DB8-817B-A683-870352090C34}"/>
+          <p:cNvPr id="6" name="Picture 5" descr="Full relation diagram">
+            <a:extLst>
+              <a:ext uri="{FF2B5EF4-FFF2-40B4-BE49-F238E27FC236}">
+                <a16:creationId xmlns:a16="http://schemas.microsoft.com/office/drawing/2014/main" id="{CBBD8197-AF88-D1E4-E7C3-456C57AAF6DB}"/>
               </a:ext>
             </a:extLst>
           </p:cNvPr>
@@ -7983,39 +7994,37 @@
           </p:cNvPicPr>
           <p:nvPr/>
         </p:nvPicPr>
-        <p:blipFill rotWithShape="1">
-          <a:blip r:embed="rId2" cstate="print">
+        <p:blipFill>
+          <a:blip r:embed="rId2">
             <a:extLst>
               <a:ext uri="{28A0092B-C50C-407E-A947-70E740481C1C}">
                 <a14:useLocalDpi xmlns:a14="http://schemas.microsoft.com/office/drawing/2010/main" val="0"/>
               </a:ext>
             </a:extLst>
           </a:blip>
-          <a:srcRect l="52450" t="34924" r="2080" b="3437"/>
-          <a:stretch/>
+          <a:srcRect/>
+          <a:stretch>
+            <a:fillRect/>
+          </a:stretch>
         </p:blipFill>
         <p:spPr bwMode="auto">
           <a:xfrm>
-            <a:off x="3910012" y="1333500"/>
-            <a:ext cx="4371975" cy="4191000"/>
+            <a:off x="5067333" y="31705"/>
+            <a:ext cx="4179304" cy="6786203"/>
           </a:xfrm>
           <a:prstGeom prst="rect">
             <a:avLst/>
           </a:prstGeom>
+          <a:noFill/>
           <a:ln>
             <a:noFill/>
           </a:ln>
-          <a:extLst>
-            <a:ext uri="{53640926-AAD7-44D8-BBD7-CCE9431645EC}">
-              <a14:shadowObscured xmlns:a14="http://schemas.microsoft.com/office/drawing/2010/main"/>
-            </a:ext>
-          </a:extLst>
         </p:spPr>
       </p:pic>
     </p:spTree>
     <p:extLst>
       <p:ext uri="{BB962C8B-B14F-4D97-AF65-F5344CB8AC3E}">
-        <p14:creationId xmlns:p14="http://schemas.microsoft.com/office/powerpoint/2010/main" val="632189722"/>
+        <p14:creationId xmlns:p14="http://schemas.microsoft.com/office/powerpoint/2010/main" val="3565454665"/>
       </p:ext>
     </p:extLst>
   </p:cSld>
@@ -8044,7 +8053,7 @@
       </p:grpSpPr>
       <p:sp>
         <p:nvSpPr>
-          <p:cNvPr id="5" name="Title 4"/>
+          <p:cNvPr id="2" name="Title 1"/>
           <p:cNvSpPr>
             <a:spLocks noGrp="1"/>
           </p:cNvSpPr>
@@ -8052,65 +8061,14 @@
             <p:ph type="title"/>
           </p:nvPr>
         </p:nvSpPr>
-        <p:spPr>
-          <a:xfrm>
-            <a:off x="2674829" y="2226013"/>
-            <a:ext cx="9428502" cy="1429415"/>
-          </a:xfrm>
-        </p:spPr>
+        <p:spPr/>
         <p:txBody>
           <a:bodyPr/>
           <a:lstStyle/>
           <a:p>
             <a:r>
               <a:rPr lang="nl-BE" dirty="0"/>
-              <a:t>Platform zelf</a:t>
-            </a:r>
-          </a:p>
-        </p:txBody>
-      </p:sp>
-      <p:sp>
-        <p:nvSpPr>
-          <p:cNvPr id="6" name="Text Placeholder 5"/>
-          <p:cNvSpPr>
-            <a:spLocks noGrp="1"/>
-          </p:cNvSpPr>
-          <p:nvPr>
-            <p:ph type="body" idx="1"/>
-          </p:nvPr>
-        </p:nvSpPr>
-        <p:spPr/>
-        <p:txBody>
-          <a:bodyPr/>
-          <a:lstStyle/>
-          <a:p>
-            <a:endParaRPr lang="nl-BE" dirty="0"/>
-          </a:p>
-        </p:txBody>
-      </p:sp>
-      <p:sp>
-        <p:nvSpPr>
-          <p:cNvPr id="3" name="Tijdelijke aanduiding voor voettekst 2"/>
-          <p:cNvSpPr>
-            <a:spLocks noGrp="1"/>
-          </p:cNvSpPr>
-          <p:nvPr>
-            <p:ph type="ftr" sz="quarter" idx="11"/>
-          </p:nvPr>
-        </p:nvSpPr>
-        <p:spPr>
-          <a:xfrm>
-            <a:off x="861246" y="6264211"/>
-            <a:ext cx="4860046" cy="365125"/>
-          </a:xfrm>
-        </p:spPr>
-        <p:txBody>
-          <a:bodyPr/>
-          <a:lstStyle/>
-          <a:p>
-            <a:r>
-              <a:rPr lang="nl-BE" dirty="0"/>
-              <a:t>Automatisatie van firewall configuraties en deployment</a:t>
+              <a:t>Alternatieve oplossing (Ansible)</a:t>
             </a:r>
           </a:p>
         </p:txBody>
@@ -8125,7 +8083,12 @@
             <p:ph type="sldNum" sz="quarter" idx="12"/>
           </p:nvPr>
         </p:nvSpPr>
-        <p:spPr/>
+        <p:spPr>
+          <a:xfrm>
+            <a:off x="534291" y="6264211"/>
+            <a:ext cx="429186" cy="365125"/>
+          </a:xfrm>
+        </p:spPr>
         <p:txBody>
           <a:bodyPr/>
           <a:lstStyle/>
@@ -8135,42 +8098,155 @@
               <a:pPr/>
               <a:t>12</a:t>
             </a:fld>
-            <a:endParaRPr lang="nl-BE"/>
-          </a:p>
-        </p:txBody>
-      </p:sp>
-      <p:sp>
-        <p:nvSpPr>
-          <p:cNvPr id="7" name="Tijdelijke aanduiding voor tekst 6">
-            <a:extLst>
-              <a:ext uri="{FF2B5EF4-FFF2-40B4-BE49-F238E27FC236}">
-                <a16:creationId xmlns:a16="http://schemas.microsoft.com/office/drawing/2014/main" id="{349BB81D-9826-4F16-9332-1F822A69AF91}"/>
-              </a:ext>
-            </a:extLst>
-          </p:cNvPr>
-          <p:cNvSpPr>
-            <a:spLocks noGrp="1"/>
-          </p:cNvSpPr>
-          <p:nvPr>
-            <p:ph type="body" sz="quarter" idx="13"/>
-          </p:nvPr>
-        </p:nvSpPr>
-        <p:spPr/>
-        <p:txBody>
-          <a:bodyPr/>
-          <a:lstStyle/>
-          <a:p>
             <a:r>
               <a:rPr lang="nl-BE" dirty="0"/>
-              <a:t>5</a:t>
-            </a:r>
+              <a:t>/22</a:t>
+            </a:r>
+          </a:p>
+        </p:txBody>
+      </p:sp>
+      <p:sp>
+        <p:nvSpPr>
+          <p:cNvPr id="7" name="Tijdelijke aanduiding voor voettekst 2">
+            <a:extLst>
+              <a:ext uri="{FF2B5EF4-FFF2-40B4-BE49-F238E27FC236}">
+                <a16:creationId xmlns:a16="http://schemas.microsoft.com/office/drawing/2014/main" id="{260F5A91-B28F-F0A1-4668-D411DD2061E5}"/>
+              </a:ext>
+            </a:extLst>
+          </p:cNvPr>
+          <p:cNvSpPr>
+            <a:spLocks noGrp="1"/>
+          </p:cNvSpPr>
+          <p:nvPr>
+            <p:ph type="ftr" sz="quarter" idx="11"/>
+          </p:nvPr>
+        </p:nvSpPr>
+        <p:spPr>
+          <a:xfrm>
+            <a:off x="963477" y="6255289"/>
+            <a:ext cx="4860046" cy="365125"/>
+          </a:xfrm>
+        </p:spPr>
+        <p:txBody>
+          <a:bodyPr/>
+          <a:lstStyle/>
+          <a:p>
+            <a:r>
+              <a:rPr lang="nl-BE" dirty="0"/>
+              <a:t>Automatisatie van firewall configuraties en deployment</a:t>
+            </a:r>
+          </a:p>
+        </p:txBody>
+      </p:sp>
+      <p:pic>
+        <p:nvPicPr>
+          <p:cNvPr id="8" name="Picture 7" descr="Diagram&#10;&#10;Description automatically generated">
+            <a:extLst>
+              <a:ext uri="{FF2B5EF4-FFF2-40B4-BE49-F238E27FC236}">
+                <a16:creationId xmlns:a16="http://schemas.microsoft.com/office/drawing/2014/main" id="{F3BE491E-13D8-F6B4-5DDB-D954C4B8BBE4}"/>
+              </a:ext>
+            </a:extLst>
+          </p:cNvPr>
+          <p:cNvPicPr>
+            <a:picLocks noChangeAspect="1"/>
+          </p:cNvPicPr>
+          <p:nvPr/>
+        </p:nvPicPr>
+        <p:blipFill>
+          <a:blip r:embed="rId2" cstate="print">
+            <a:extLst>
+              <a:ext uri="{28A0092B-C50C-407E-A947-70E740481C1C}">
+                <a14:useLocalDpi xmlns:a14="http://schemas.microsoft.com/office/drawing/2010/main" val="0"/>
+              </a:ext>
+            </a:extLst>
+          </a:blip>
+          <a:stretch>
+            <a:fillRect/>
+          </a:stretch>
+        </p:blipFill>
+        <p:spPr>
+          <a:xfrm>
+            <a:off x="861246" y="1295015"/>
+            <a:ext cx="8202563" cy="4970182"/>
+          </a:xfrm>
+          <a:prstGeom prst="rect">
+            <a:avLst/>
+          </a:prstGeom>
+        </p:spPr>
+      </p:pic>
+      <p:sp>
+        <p:nvSpPr>
+          <p:cNvPr id="3" name="Rectangle 2">
+            <a:extLst>
+              <a:ext uri="{FF2B5EF4-FFF2-40B4-BE49-F238E27FC236}">
+                <a16:creationId xmlns:a16="http://schemas.microsoft.com/office/drawing/2014/main" id="{49EC49B1-1795-D908-521E-ADE57DEA1E01}"/>
+              </a:ext>
+            </a:extLst>
+          </p:cNvPr>
+          <p:cNvSpPr>
+            <a:spLocks noChangeArrowheads="1"/>
+          </p:cNvSpPr>
+          <p:nvPr/>
+        </p:nvSpPr>
+        <p:spPr bwMode="auto">
+          <a:xfrm>
+            <a:off x="6202837" y="945197"/>
+            <a:ext cx="12192000" cy="457200"/>
+          </a:xfrm>
+          <a:prstGeom prst="rect">
+            <a:avLst/>
+          </a:prstGeom>
+          <a:noFill/>
+          <a:ln>
+            <a:noFill/>
+          </a:ln>
+          <a:effectLst/>
+          <a:extLst>
+            <a:ext uri="{909E8E84-426E-40DD-AFC4-6F175D3DCCD1}">
+              <a14:hiddenFill xmlns:a14="http://schemas.microsoft.com/office/drawing/2010/main">
+                <a:solidFill>
+                  <a:schemeClr val="accent1"/>
+                </a:solidFill>
+              </a14:hiddenFill>
+            </a:ext>
+            <a:ext uri="{91240B29-F687-4F45-9708-019B960494DF}">
+              <a14:hiddenLine xmlns:a14="http://schemas.microsoft.com/office/drawing/2010/main" w="9525">
+                <a:solidFill>
+                  <a:schemeClr val="tx1"/>
+                </a:solidFill>
+                <a:miter lim="800000"/>
+                <a:headEnd/>
+                <a:tailEnd/>
+              </a14:hiddenLine>
+            </a:ext>
+            <a:ext uri="{AF507438-7753-43E0-B8FC-AC1667EBCBE1}">
+              <a14:hiddenEffects xmlns:a14="http://schemas.microsoft.com/office/drawing/2010/main">
+                <a:effectLst>
+                  <a:outerShdw dist="35921" dir="2700000" algn="ctr" rotWithShape="0">
+                    <a:schemeClr val="bg2"/>
+                  </a:outerShdw>
+                </a:effectLst>
+              </a14:hiddenEffects>
+            </a:ext>
+          </a:extLst>
+        </p:spPr>
+        <p:txBody>
+          <a:bodyPr vert="horz" wrap="none" lIns="91440" tIns="45720" rIns="91440" bIns="45720" numCol="1" anchor="ctr" anchorCtr="0" compatLnSpc="1">
+            <a:prstTxWarp prst="textNoShape">
+              <a:avLst/>
+            </a:prstTxWarp>
+            <a:spAutoFit/>
+          </a:bodyPr>
+          <a:lstStyle/>
+          <a:p>
+            <a:endParaRPr lang="en-BE"/>
           </a:p>
         </p:txBody>
       </p:sp>
     </p:spTree>
     <p:extLst>
       <p:ext uri="{BB962C8B-B14F-4D97-AF65-F5344CB8AC3E}">
-        <p14:creationId xmlns:p14="http://schemas.microsoft.com/office/powerpoint/2010/main" val="3276609306"/>
+        <p14:creationId xmlns:p14="http://schemas.microsoft.com/office/powerpoint/2010/main" val="3533411630"/>
       </p:ext>
     </p:extLst>
   </p:cSld>
@@ -8214,7 +8290,7 @@
           <a:p>
             <a:r>
               <a:rPr lang="nl-BE" dirty="0"/>
-              <a:t>Platform zelf</a:t>
+              <a:t>Alternatieve oplossing (Ansible)</a:t>
             </a:r>
           </a:p>
         </p:txBody>
@@ -8229,7 +8305,12 @@
             <p:ph type="sldNum" sz="quarter" idx="12"/>
           </p:nvPr>
         </p:nvSpPr>
-        <p:spPr/>
+        <p:spPr>
+          <a:xfrm>
+            <a:off x="534291" y="6264211"/>
+            <a:ext cx="397148" cy="365125"/>
+          </a:xfrm>
+        </p:spPr>
         <p:txBody>
           <a:bodyPr/>
           <a:lstStyle/>
@@ -8239,7 +8320,10 @@
               <a:pPr/>
               <a:t>13</a:t>
             </a:fld>
-            <a:endParaRPr lang="nl-BE"/>
+            <a:r>
+              <a:rPr lang="nl-BE" dirty="0"/>
+              <a:t>/22</a:t>
+            </a:r>
           </a:p>
         </p:txBody>
       </p:sp>
@@ -8261,7 +8345,7 @@
         </p:nvSpPr>
         <p:spPr>
           <a:xfrm>
-            <a:off x="861246" y="6264211"/>
+            <a:off x="986195" y="6264211"/>
             <a:ext cx="4860046" cy="365125"/>
           </a:xfrm>
         </p:spPr>
@@ -8276,12 +8360,81 @@
           </a:p>
         </p:txBody>
       </p:sp>
+      <p:sp>
+        <p:nvSpPr>
+          <p:cNvPr id="3" name="Rectangle 2">
+            <a:extLst>
+              <a:ext uri="{FF2B5EF4-FFF2-40B4-BE49-F238E27FC236}">
+                <a16:creationId xmlns:a16="http://schemas.microsoft.com/office/drawing/2014/main" id="{49EC49B1-1795-D908-521E-ADE57DEA1E01}"/>
+              </a:ext>
+            </a:extLst>
+          </p:cNvPr>
+          <p:cNvSpPr>
+            <a:spLocks noChangeArrowheads="1"/>
+          </p:cNvSpPr>
+          <p:nvPr/>
+        </p:nvSpPr>
+        <p:spPr bwMode="auto">
+          <a:xfrm>
+            <a:off x="6202837" y="945197"/>
+            <a:ext cx="12192000" cy="457200"/>
+          </a:xfrm>
+          <a:prstGeom prst="rect">
+            <a:avLst/>
+          </a:prstGeom>
+          <a:noFill/>
+          <a:ln>
+            <a:noFill/>
+          </a:ln>
+          <a:effectLst/>
+          <a:extLst>
+            <a:ext uri="{909E8E84-426E-40DD-AFC4-6F175D3DCCD1}">
+              <a14:hiddenFill xmlns:a14="http://schemas.microsoft.com/office/drawing/2010/main">
+                <a:solidFill>
+                  <a:schemeClr val="accent1"/>
+                </a:solidFill>
+              </a14:hiddenFill>
+            </a:ext>
+            <a:ext uri="{91240B29-F687-4F45-9708-019B960494DF}">
+              <a14:hiddenLine xmlns:a14="http://schemas.microsoft.com/office/drawing/2010/main" w="9525">
+                <a:solidFill>
+                  <a:schemeClr val="tx1"/>
+                </a:solidFill>
+                <a:miter lim="800000"/>
+                <a:headEnd/>
+                <a:tailEnd/>
+              </a14:hiddenLine>
+            </a:ext>
+            <a:ext uri="{AF507438-7753-43E0-B8FC-AC1667EBCBE1}">
+              <a14:hiddenEffects xmlns:a14="http://schemas.microsoft.com/office/drawing/2010/main">
+                <a:effectLst>
+                  <a:outerShdw dist="35921" dir="2700000" algn="ctr" rotWithShape="0">
+                    <a:schemeClr val="bg2"/>
+                  </a:outerShdw>
+                </a:effectLst>
+              </a14:hiddenEffects>
+            </a:ext>
+          </a:extLst>
+        </p:spPr>
+        <p:txBody>
+          <a:bodyPr vert="horz" wrap="none" lIns="91440" tIns="45720" rIns="91440" bIns="45720" numCol="1" anchor="ctr" anchorCtr="0" compatLnSpc="1">
+            <a:prstTxWarp prst="textNoShape">
+              <a:avLst/>
+            </a:prstTxWarp>
+            <a:spAutoFit/>
+          </a:bodyPr>
+          <a:lstStyle/>
+          <a:p>
+            <a:endParaRPr lang="en-BE"/>
+          </a:p>
+        </p:txBody>
+      </p:sp>
       <p:pic>
         <p:nvPicPr>
-          <p:cNvPr id="5" name="Picture 4" descr="Diagram&#10;&#10;Description automatically generated">
-            <a:extLst>
-              <a:ext uri="{FF2B5EF4-FFF2-40B4-BE49-F238E27FC236}">
-                <a16:creationId xmlns:a16="http://schemas.microsoft.com/office/drawing/2014/main" id="{DC67A734-F494-A628-817D-FBC770FD5605}"/>
+          <p:cNvPr id="6" name="Picture 5">
+            <a:extLst>
+              <a:ext uri="{FF2B5EF4-FFF2-40B4-BE49-F238E27FC236}">
+                <a16:creationId xmlns:a16="http://schemas.microsoft.com/office/drawing/2014/main" id="{3F3243C2-0FF9-B80F-F020-C1027E1FB4C2}"/>
               </a:ext>
             </a:extLst>
           </p:cNvPr>
@@ -8290,39 +8443,207 @@
           </p:cNvPicPr>
           <p:nvPr/>
         </p:nvPicPr>
-        <p:blipFill rotWithShape="1">
-          <a:blip r:embed="rId2" cstate="print">
-            <a:extLst>
-              <a:ext uri="{28A0092B-C50C-407E-A947-70E740481C1C}">
-                <a14:useLocalDpi xmlns:a14="http://schemas.microsoft.com/office/drawing/2010/main" val="0"/>
-              </a:ext>
-            </a:extLst>
-          </a:blip>
-          <a:srcRect l="2148" t="3183" r="2282" b="3787"/>
-          <a:stretch/>
+        <p:blipFill>
+          <a:blip r:embed="rId2"/>
+          <a:stretch>
+            <a:fillRect/>
+          </a:stretch>
         </p:blipFill>
-        <p:spPr bwMode="auto">
-          <a:xfrm>
-            <a:off x="2189876" y="720725"/>
-            <a:ext cx="8239760" cy="5416550"/>
+        <p:spPr>
+          <a:xfrm>
+            <a:off x="396000" y="4667122"/>
+            <a:ext cx="5317186" cy="1032613"/>
           </a:xfrm>
           <a:prstGeom prst="rect">
             <a:avLst/>
           </a:prstGeom>
+        </p:spPr>
+      </p:pic>
+      <p:pic>
+        <p:nvPicPr>
+          <p:cNvPr id="9" name="Picture 8">
+            <a:extLst>
+              <a:ext uri="{FF2B5EF4-FFF2-40B4-BE49-F238E27FC236}">
+                <a16:creationId xmlns:a16="http://schemas.microsoft.com/office/drawing/2014/main" id="{2018407D-5BCB-2BF5-586E-336F450A149E}"/>
+              </a:ext>
+            </a:extLst>
+          </p:cNvPr>
+          <p:cNvPicPr>
+            <a:picLocks noChangeAspect="1"/>
+          </p:cNvPicPr>
+          <p:nvPr/>
+        </p:nvPicPr>
+        <p:blipFill>
+          <a:blip r:embed="rId3"/>
+          <a:stretch>
+            <a:fillRect/>
+          </a:stretch>
+        </p:blipFill>
+        <p:spPr>
+          <a:xfrm>
+            <a:off x="713732" y="1735594"/>
+            <a:ext cx="4681722" cy="2261510"/>
+          </a:xfrm>
+          <a:prstGeom prst="rect">
+            <a:avLst/>
+          </a:prstGeom>
+        </p:spPr>
+      </p:pic>
+      <p:sp>
+        <p:nvSpPr>
+          <p:cNvPr id="5" name="Rectangle 2">
+            <a:extLst>
+              <a:ext uri="{FF2B5EF4-FFF2-40B4-BE49-F238E27FC236}">
+                <a16:creationId xmlns:a16="http://schemas.microsoft.com/office/drawing/2014/main" id="{1E0461D8-3B17-3C74-DE8F-5E8D09E023FD}"/>
+              </a:ext>
+            </a:extLst>
+          </p:cNvPr>
+          <p:cNvSpPr>
+            <a:spLocks noChangeArrowheads="1"/>
+          </p:cNvSpPr>
+          <p:nvPr/>
+        </p:nvSpPr>
+        <p:spPr bwMode="auto">
+          <a:xfrm>
+            <a:off x="6311900" y="99391"/>
+            <a:ext cx="12192000" cy="0"/>
+          </a:xfrm>
+          <a:prstGeom prst="rect">
+            <a:avLst/>
+          </a:prstGeom>
+          <a:noFill/>
           <a:ln>
             <a:noFill/>
           </a:ln>
+          <a:effectLst/>
           <a:extLst>
-            <a:ext uri="{53640926-AAD7-44D8-BBD7-CCE9431645EC}">
-              <a14:shadowObscured xmlns:a14="http://schemas.microsoft.com/office/drawing/2010/main"/>
+            <a:ext uri="{909E8E84-426E-40DD-AFC4-6F175D3DCCD1}">
+              <a14:hiddenFill xmlns:a14="http://schemas.microsoft.com/office/drawing/2010/main">
+                <a:solidFill>
+                  <a:schemeClr val="accent1"/>
+                </a:solidFill>
+              </a14:hiddenFill>
+            </a:ext>
+            <a:ext uri="{91240B29-F687-4F45-9708-019B960494DF}">
+              <a14:hiddenLine xmlns:a14="http://schemas.microsoft.com/office/drawing/2010/main" w="9525">
+                <a:solidFill>
+                  <a:schemeClr val="tx1"/>
+                </a:solidFill>
+                <a:miter lim="800000"/>
+                <a:headEnd/>
+                <a:tailEnd/>
+              </a14:hiddenLine>
+            </a:ext>
+            <a:ext uri="{AF507438-7753-43E0-B8FC-AC1667EBCBE1}">
+              <a14:hiddenEffects xmlns:a14="http://schemas.microsoft.com/office/drawing/2010/main">
+                <a:effectLst>
+                  <a:outerShdw dist="35921" dir="2700000" algn="ctr" rotWithShape="0">
+                    <a:schemeClr val="bg2"/>
+                  </a:outerShdw>
+                </a:effectLst>
+              </a14:hiddenEffects>
             </a:ext>
           </a:extLst>
         </p:spPr>
-      </p:pic>
+        <p:txBody>
+          <a:bodyPr vert="horz" wrap="square" lIns="91440" tIns="45720" rIns="91440" bIns="45720" numCol="1" anchor="ctr" anchorCtr="0" compatLnSpc="1">
+            <a:prstTxWarp prst="textNoShape">
+              <a:avLst/>
+            </a:prstTxWarp>
+            <a:spAutoFit/>
+          </a:bodyPr>
+          <a:lstStyle/>
+          <a:p>
+            <a:endParaRPr lang="en-BE"/>
+          </a:p>
+        </p:txBody>
+      </p:sp>
+      <p:graphicFrame>
+        <p:nvGraphicFramePr>
+          <p:cNvPr id="8" name="Object 7">
+            <a:extLst>
+              <a:ext uri="{FF2B5EF4-FFF2-40B4-BE49-F238E27FC236}">
+                <a16:creationId xmlns:a16="http://schemas.microsoft.com/office/drawing/2014/main" id="{3A8C0615-BBE6-D800-62F0-7F957A2158E8}"/>
+              </a:ext>
+            </a:extLst>
+          </p:cNvPr>
+          <p:cNvGraphicFramePr>
+            <a:graphicFrameLocks noChangeAspect="1"/>
+          </p:cNvGraphicFramePr>
+          <p:nvPr>
+            <p:extLst>
+              <p:ext uri="{D42A27DB-BD31-4B8C-83A1-F6EECF244321}">
+                <p14:modId xmlns:p14="http://schemas.microsoft.com/office/powerpoint/2010/main" val="249127222"/>
+              </p:ext>
+            </p:extLst>
+          </p:nvPr>
+        </p:nvGraphicFramePr>
+        <p:xfrm>
+          <a:off x="6096000" y="1735594"/>
+          <a:ext cx="5880100" cy="3771900"/>
+        </p:xfrm>
+        <a:graphic>
+          <a:graphicData uri="http://schemas.openxmlformats.org/presentationml/2006/ole">
+            <mc:AlternateContent xmlns:mc="http://schemas.openxmlformats.org/markup-compatibility/2006">
+              <mc:Choice xmlns:v="urn:schemas-microsoft-com:vml" Requires="v">
+                <p:oleObj name="Document" r:id="rId4" imgW="5880100" imgH="3771900" progId="Word.Document.12">
+                  <p:embed/>
+                </p:oleObj>
+              </mc:Choice>
+              <mc:Fallback>
+                <p:oleObj name="Document" r:id="rId4" imgW="5880100" imgH="3771900" progId="Word.Document.12">
+                  <p:embed/>
+                  <p:pic>
+                    <p:nvPicPr>
+                      <p:cNvPr id="0" name="Object 1"/>
+                      <p:cNvPicPr>
+                        <a:picLocks noChangeAspect="1" noChangeArrowheads="1"/>
+                      </p:cNvPicPr>
+                      <p:nvPr/>
+                    </p:nvPicPr>
+                    <p:blipFill>
+                      <a:blip r:embed="rId5">
+                        <a:extLst>
+                          <a:ext uri="{28A0092B-C50C-407E-A947-70E740481C1C}">
+                            <a14:useLocalDpi xmlns:a14="http://schemas.microsoft.com/office/drawing/2010/main" val="0"/>
+                          </a:ext>
+                        </a:extLst>
+                      </a:blip>
+                      <a:srcRect/>
+                      <a:stretch>
+                        <a:fillRect/>
+                      </a:stretch>
+                    </p:blipFill>
+                    <p:spPr bwMode="auto">
+                      <a:xfrm>
+                        <a:off x="6096000" y="1735594"/>
+                        <a:ext cx="5880100" cy="3771900"/>
+                      </a:xfrm>
+                      <a:prstGeom prst="rect">
+                        <a:avLst/>
+                      </a:prstGeom>
+                      <a:noFill/>
+                      <a:extLst>
+                        <a:ext uri="{909E8E84-426E-40DD-AFC4-6F175D3DCCD1}">
+                          <a14:hiddenFill xmlns:a14="http://schemas.microsoft.com/office/drawing/2010/main">
+                            <a:solidFill>
+                              <a:srgbClr val="FFFFFF"/>
+                            </a:solidFill>
+                          </a14:hiddenFill>
+                        </a:ext>
+                      </a:extLst>
+                    </p:spPr>
+                  </p:pic>
+                </p:oleObj>
+              </mc:Fallback>
+            </mc:AlternateContent>
+          </a:graphicData>
+        </a:graphic>
+      </p:graphicFrame>
     </p:spTree>
     <p:extLst>
       <p:ext uri="{BB962C8B-B14F-4D97-AF65-F5344CB8AC3E}">
-        <p14:creationId xmlns:p14="http://schemas.microsoft.com/office/powerpoint/2010/main" val="3093360955"/>
+        <p14:creationId xmlns:p14="http://schemas.microsoft.com/office/powerpoint/2010/main" val="3792748266"/>
       </p:ext>
     </p:extLst>
   </p:cSld>
@@ -8351,13 +8672,7 @@
       </p:grpSpPr>
       <p:sp>
         <p:nvSpPr>
-          <p:cNvPr id="2" name="Title 1">
-            <a:extLst>
-              <a:ext uri="{FF2B5EF4-FFF2-40B4-BE49-F238E27FC236}">
-                <a16:creationId xmlns:a16="http://schemas.microsoft.com/office/drawing/2014/main" id="{75BE2A8D-EC76-1AD6-E0B4-7834B0557A2B}"/>
-              </a:ext>
-            </a:extLst>
-          </p:cNvPr>
+          <p:cNvPr id="2" name="Title 1"/>
           <p:cNvSpPr>
             <a:spLocks noGrp="1"/>
           </p:cNvSpPr>
@@ -8371,49 +8686,15 @@
           <a:lstStyle/>
           <a:p>
             <a:r>
-              <a:rPr lang="en-BE" dirty="0"/>
-              <a:t>Achterliggende werking</a:t>
-            </a:r>
-          </a:p>
-        </p:txBody>
-      </p:sp>
-      <p:sp>
-        <p:nvSpPr>
-          <p:cNvPr id="4" name="Footer Placeholder 3">
-            <a:extLst>
-              <a:ext uri="{FF2B5EF4-FFF2-40B4-BE49-F238E27FC236}">
-                <a16:creationId xmlns:a16="http://schemas.microsoft.com/office/drawing/2014/main" id="{59501988-E931-122D-2AB0-510E4F4119E6}"/>
-              </a:ext>
-            </a:extLst>
-          </p:cNvPr>
-          <p:cNvSpPr>
-            <a:spLocks noGrp="1"/>
-          </p:cNvSpPr>
-          <p:nvPr>
-            <p:ph type="ftr" sz="quarter" idx="11"/>
-          </p:nvPr>
-        </p:nvSpPr>
-        <p:spPr/>
-        <p:txBody>
-          <a:bodyPr/>
-          <a:lstStyle/>
-          <a:p>
-            <a:r>
               <a:rPr lang="nl-BE" dirty="0"/>
-              <a:t>Automatisatie van firewall configuraties en de</a:t>
-            </a:r>
-          </a:p>
-        </p:txBody>
-      </p:sp>
-      <p:sp>
-        <p:nvSpPr>
-          <p:cNvPr id="5" name="Slide Number Placeholder 4">
-            <a:extLst>
-              <a:ext uri="{FF2B5EF4-FFF2-40B4-BE49-F238E27FC236}">
-                <a16:creationId xmlns:a16="http://schemas.microsoft.com/office/drawing/2014/main" id="{CD8BFC3A-A2A8-DCF2-9F6E-A61D664BCA8E}"/>
-              </a:ext>
-            </a:extLst>
-          </p:cNvPr>
+              <a:t>Huidige oplossing (API calls)</a:t>
+            </a:r>
+          </a:p>
+        </p:txBody>
+      </p:sp>
+      <p:sp>
+        <p:nvSpPr>
+          <p:cNvPr id="4" name="Slide Number Placeholder 3"/>
           <p:cNvSpPr>
             <a:spLocks noGrp="1"/>
           </p:cNvSpPr>
@@ -8421,25 +8702,136 @@
             <p:ph type="sldNum" sz="quarter" idx="12"/>
           </p:nvPr>
         </p:nvSpPr>
-        <p:spPr/>
-        <p:txBody>
-          <a:bodyPr/>
-          <a:lstStyle/>
-          <a:p>
-            <a:fld id="{FCA3638F-6D52-644A-9831-93255061F043}" type="slidenum">
-              <a:rPr lang="en-BE" smtClean="0"/>
+        <p:spPr>
+          <a:xfrm>
+            <a:off x="534291" y="6264211"/>
+            <a:ext cx="412148" cy="365125"/>
+          </a:xfrm>
+        </p:spPr>
+        <p:txBody>
+          <a:bodyPr/>
+          <a:lstStyle/>
+          <a:p>
+            <a:fld id="{951AF886-4571-425F-BB1D-73D27EFBFE49}" type="slidenum">
+              <a:rPr lang="nl-BE" smtClean="0"/>
+              <a:pPr/>
               <a:t>14</a:t>
             </a:fld>
+            <a:r>
+              <a:rPr lang="nl-BE" dirty="0"/>
+              <a:t>/22</a:t>
+            </a:r>
+          </a:p>
+        </p:txBody>
+      </p:sp>
+      <p:sp>
+        <p:nvSpPr>
+          <p:cNvPr id="7" name="Tijdelijke aanduiding voor voettekst 2">
+            <a:extLst>
+              <a:ext uri="{FF2B5EF4-FFF2-40B4-BE49-F238E27FC236}">
+                <a16:creationId xmlns:a16="http://schemas.microsoft.com/office/drawing/2014/main" id="{260F5A91-B28F-F0A1-4668-D411DD2061E5}"/>
+              </a:ext>
+            </a:extLst>
+          </p:cNvPr>
+          <p:cNvSpPr>
+            <a:spLocks noGrp="1"/>
+          </p:cNvSpPr>
+          <p:nvPr>
+            <p:ph type="ftr" sz="quarter" idx="11"/>
+          </p:nvPr>
+        </p:nvSpPr>
+        <p:spPr>
+          <a:xfrm>
+            <a:off x="946439" y="6264211"/>
+            <a:ext cx="4860046" cy="365125"/>
+          </a:xfrm>
+        </p:spPr>
+        <p:txBody>
+          <a:bodyPr/>
+          <a:lstStyle/>
+          <a:p>
+            <a:r>
+              <a:rPr lang="nl-BE" dirty="0"/>
+              <a:t>Automatisatie van firewall configuraties en deployment</a:t>
+            </a:r>
+          </a:p>
+        </p:txBody>
+      </p:sp>
+      <p:sp>
+        <p:nvSpPr>
+          <p:cNvPr id="3" name="Rectangle 2">
+            <a:extLst>
+              <a:ext uri="{FF2B5EF4-FFF2-40B4-BE49-F238E27FC236}">
+                <a16:creationId xmlns:a16="http://schemas.microsoft.com/office/drawing/2014/main" id="{49EC49B1-1795-D908-521E-ADE57DEA1E01}"/>
+              </a:ext>
+            </a:extLst>
+          </p:cNvPr>
+          <p:cNvSpPr>
+            <a:spLocks noChangeArrowheads="1"/>
+          </p:cNvSpPr>
+          <p:nvPr/>
+        </p:nvSpPr>
+        <p:spPr bwMode="auto">
+          <a:xfrm>
+            <a:off x="6202837" y="945197"/>
+            <a:ext cx="12192000" cy="457200"/>
+          </a:xfrm>
+          <a:prstGeom prst="rect">
+            <a:avLst/>
+          </a:prstGeom>
+          <a:noFill/>
+          <a:ln>
+            <a:noFill/>
+          </a:ln>
+          <a:effectLst/>
+          <a:extLst>
+            <a:ext uri="{909E8E84-426E-40DD-AFC4-6F175D3DCCD1}">
+              <a14:hiddenFill xmlns:a14="http://schemas.microsoft.com/office/drawing/2010/main">
+                <a:solidFill>
+                  <a:schemeClr val="accent1"/>
+                </a:solidFill>
+              </a14:hiddenFill>
+            </a:ext>
+            <a:ext uri="{91240B29-F687-4F45-9708-019B960494DF}">
+              <a14:hiddenLine xmlns:a14="http://schemas.microsoft.com/office/drawing/2010/main" w="9525">
+                <a:solidFill>
+                  <a:schemeClr val="tx1"/>
+                </a:solidFill>
+                <a:miter lim="800000"/>
+                <a:headEnd/>
+                <a:tailEnd/>
+              </a14:hiddenLine>
+            </a:ext>
+            <a:ext uri="{AF507438-7753-43E0-B8FC-AC1667EBCBE1}">
+              <a14:hiddenEffects xmlns:a14="http://schemas.microsoft.com/office/drawing/2010/main">
+                <a:effectLst>
+                  <a:outerShdw dist="35921" dir="2700000" algn="ctr" rotWithShape="0">
+                    <a:schemeClr val="bg2"/>
+                  </a:outerShdw>
+                </a:effectLst>
+              </a14:hiddenEffects>
+            </a:ext>
+          </a:extLst>
+        </p:spPr>
+        <p:txBody>
+          <a:bodyPr vert="horz" wrap="none" lIns="91440" tIns="45720" rIns="91440" bIns="45720" numCol="1" anchor="ctr" anchorCtr="0" compatLnSpc="1">
+            <a:prstTxWarp prst="textNoShape">
+              <a:avLst/>
+            </a:prstTxWarp>
+            <a:spAutoFit/>
+          </a:bodyPr>
+          <a:lstStyle/>
+          <a:p>
             <a:endParaRPr lang="en-BE"/>
           </a:p>
         </p:txBody>
       </p:sp>
       <p:pic>
         <p:nvPicPr>
-          <p:cNvPr id="6" name="Picture 5" descr="Diagram&#10;&#10;Description automatically generated">
-            <a:extLst>
-              <a:ext uri="{FF2B5EF4-FFF2-40B4-BE49-F238E27FC236}">
-                <a16:creationId xmlns:a16="http://schemas.microsoft.com/office/drawing/2014/main" id="{81413A02-AAFF-A967-C3C3-37FD93944526}"/>
+          <p:cNvPr id="10" name="Picture 9" descr="Diagram&#10;&#10;Description automatically generated">
+            <a:extLst>
+              <a:ext uri="{FF2B5EF4-FFF2-40B4-BE49-F238E27FC236}">
+                <a16:creationId xmlns:a16="http://schemas.microsoft.com/office/drawing/2014/main" id="{570F6C20-9C15-DEA2-1283-EC5F8403BA01}"/>
               </a:ext>
             </a:extLst>
           </p:cNvPr>
@@ -8449,7 +8841,7 @@
           <p:nvPr/>
         </p:nvPicPr>
         <p:blipFill>
-          <a:blip r:embed="rId2" cstate="print">
+          <a:blip r:embed="rId2">
             <a:extLst>
               <a:ext uri="{28A0092B-C50C-407E-A947-70E740481C1C}">
                 <a14:useLocalDpi xmlns:a14="http://schemas.microsoft.com/office/drawing/2010/main" val="0"/>
@@ -8462,8 +8854,8 @@
         </p:blipFill>
         <p:spPr>
           <a:xfrm>
-            <a:off x="3699423" y="325437"/>
-            <a:ext cx="5042535" cy="6207125"/>
+            <a:off x="4363657" y="-72963"/>
+            <a:ext cx="5311942" cy="7003925"/>
           </a:xfrm>
           <a:prstGeom prst="rect">
             <a:avLst/>
@@ -8473,7 +8865,7 @@
     </p:spTree>
     <p:extLst>
       <p:ext uri="{BB962C8B-B14F-4D97-AF65-F5344CB8AC3E}">
-        <p14:creationId xmlns:p14="http://schemas.microsoft.com/office/powerpoint/2010/main" val="539056699"/>
+        <p14:creationId xmlns:p14="http://schemas.microsoft.com/office/powerpoint/2010/main" val="1761799852"/>
       </p:ext>
     </p:extLst>
   </p:cSld>
@@ -8522,7 +8914,7 @@
           <a:p>
             <a:r>
               <a:rPr lang="nl-BE" dirty="0"/>
-              <a:t>Besluit en bedenkingen</a:t>
+              <a:t>Platform zelf</a:t>
             </a:r>
           </a:p>
         </p:txBody>
@@ -8620,7 +9012,7 @@
           <a:p>
             <a:r>
               <a:rPr lang="nl-BE" dirty="0"/>
-              <a:t>6</a:t>
+              <a:t>5</a:t>
             </a:r>
           </a:p>
         </p:txBody>
@@ -8628,7 +9020,7 @@
     </p:spTree>
     <p:extLst>
       <p:ext uri="{BB962C8B-B14F-4D97-AF65-F5344CB8AC3E}">
-        <p14:creationId xmlns:p14="http://schemas.microsoft.com/office/powerpoint/2010/main" val="3109869871"/>
+        <p14:creationId xmlns:p14="http://schemas.microsoft.com/office/powerpoint/2010/main" val="3276609306"/>
       </p:ext>
     </p:extLst>
   </p:cSld>
@@ -8672,97 +9064,7 @@
           <a:p>
             <a:r>
               <a:rPr lang="nl-BE" dirty="0"/>
-              <a:t>Besluit en bedenkingen</a:t>
-            </a:r>
-          </a:p>
-        </p:txBody>
-      </p:sp>
-      <p:sp>
-        <p:nvSpPr>
-          <p:cNvPr id="3" name="Content Placeholder 2">
-            <a:extLst>
-              <a:ext uri="{FF2B5EF4-FFF2-40B4-BE49-F238E27FC236}">
-                <a16:creationId xmlns:a16="http://schemas.microsoft.com/office/drawing/2014/main" id="{F1358177-9A4E-071E-1B5C-D10CEB2D5010}"/>
-              </a:ext>
-            </a:extLst>
-          </p:cNvPr>
-          <p:cNvSpPr>
-            <a:spLocks noGrp="1"/>
-          </p:cNvSpPr>
-          <p:nvPr>
-            <p:ph idx="1"/>
-          </p:nvPr>
-        </p:nvSpPr>
-        <p:spPr/>
-        <p:txBody>
-          <a:bodyPr/>
-          <a:lstStyle/>
-          <a:p>
-            <a:pPr marL="457200" indent="-457200">
-              <a:buFont typeface="Arial" panose="020B0604020202020204" pitchFamily="34" charset="0"/>
-              <a:buChar char="•"/>
-            </a:pPr>
-            <a:r>
-              <a:rPr lang="en-BE" dirty="0"/>
-              <a:t>Momenteel niet beschikbaar voor eindgebruikers</a:t>
-            </a:r>
-          </a:p>
-          <a:p>
-            <a:pPr marL="457200" indent="-457200">
-              <a:buFont typeface="Arial" panose="020B0604020202020204" pitchFamily="34" charset="0"/>
-              <a:buChar char="•"/>
-            </a:pPr>
-            <a:r>
-              <a:rPr lang="en-BE" dirty="0"/>
-              <a:t>Feedback voor optimalisatie beperkt</a:t>
-            </a:r>
-          </a:p>
-          <a:p>
-            <a:pPr marL="457200" indent="-457200">
-              <a:buFont typeface="Arial" panose="020B0604020202020204" pitchFamily="34" charset="0"/>
-              <a:buChar char="•"/>
-            </a:pPr>
-            <a:r>
-              <a:rPr lang="en-BE" dirty="0"/>
-              <a:t>Herbruikbare informatie/code</a:t>
-            </a:r>
-          </a:p>
-          <a:p>
-            <a:pPr marL="457200" indent="-457200">
-              <a:buFont typeface="Arial" panose="020B0604020202020204" pitchFamily="34" charset="0"/>
-              <a:buChar char="•"/>
-            </a:pPr>
-            <a:r>
-              <a:rPr lang="en-BE" dirty="0"/>
-              <a:t>Toegankelijker =&gt; tijdsbesparend</a:t>
-            </a:r>
-          </a:p>
-        </p:txBody>
-      </p:sp>
-      <p:sp>
-        <p:nvSpPr>
-          <p:cNvPr id="7" name="Tijdelijke aanduiding voor voettekst 2">
-            <a:extLst>
-              <a:ext uri="{FF2B5EF4-FFF2-40B4-BE49-F238E27FC236}">
-                <a16:creationId xmlns:a16="http://schemas.microsoft.com/office/drawing/2014/main" id="{260F5A91-B28F-F0A1-4668-D411DD2061E5}"/>
-              </a:ext>
-            </a:extLst>
-          </p:cNvPr>
-          <p:cNvSpPr>
-            <a:spLocks noGrp="1"/>
-          </p:cNvSpPr>
-          <p:nvPr>
-            <p:ph type="ftr" sz="quarter" idx="11"/>
-          </p:nvPr>
-        </p:nvSpPr>
-        <p:spPr/>
-        <p:txBody>
-          <a:bodyPr/>
-          <a:lstStyle/>
-          <a:p>
-            <a:r>
-              <a:rPr lang="nl-BE" dirty="0"/>
-              <a:t>Automatisatie van firewall configuraties en deployment</a:t>
+              <a:t>Platform zelf</a:t>
             </a:r>
           </a:p>
         </p:txBody>
@@ -8777,7 +9079,12 @@
             <p:ph type="sldNum" sz="quarter" idx="12"/>
           </p:nvPr>
         </p:nvSpPr>
-        <p:spPr/>
+        <p:spPr>
+          <a:xfrm>
+            <a:off x="534290" y="6264211"/>
+            <a:ext cx="380109" cy="365125"/>
+          </a:xfrm>
+        </p:spPr>
         <p:txBody>
           <a:bodyPr/>
           <a:lstStyle/>
@@ -8787,14 +9094,93 @@
               <a:pPr/>
               <a:t>16</a:t>
             </a:fld>
-            <a:endParaRPr lang="nl-BE"/>
-          </a:p>
-        </p:txBody>
-      </p:sp>
+            <a:r>
+              <a:rPr lang="nl-BE" dirty="0"/>
+              <a:t>/22</a:t>
+            </a:r>
+          </a:p>
+        </p:txBody>
+      </p:sp>
+      <p:sp>
+        <p:nvSpPr>
+          <p:cNvPr id="7" name="Tijdelijke aanduiding voor voettekst 2">
+            <a:extLst>
+              <a:ext uri="{FF2B5EF4-FFF2-40B4-BE49-F238E27FC236}">
+                <a16:creationId xmlns:a16="http://schemas.microsoft.com/office/drawing/2014/main" id="{260F5A91-B28F-F0A1-4668-D411DD2061E5}"/>
+              </a:ext>
+            </a:extLst>
+          </p:cNvPr>
+          <p:cNvSpPr>
+            <a:spLocks noGrp="1"/>
+          </p:cNvSpPr>
+          <p:nvPr>
+            <p:ph type="ftr" sz="quarter" idx="11"/>
+          </p:nvPr>
+        </p:nvSpPr>
+        <p:spPr>
+          <a:xfrm>
+            <a:off x="986195" y="6264211"/>
+            <a:ext cx="4860046" cy="365125"/>
+          </a:xfrm>
+        </p:spPr>
+        <p:txBody>
+          <a:bodyPr/>
+          <a:lstStyle/>
+          <a:p>
+            <a:r>
+              <a:rPr lang="nl-BE" dirty="0"/>
+              <a:t>Automatisatie van firewall configuraties en deployment</a:t>
+            </a:r>
+          </a:p>
+        </p:txBody>
+      </p:sp>
+      <p:pic>
+        <p:nvPicPr>
+          <p:cNvPr id="5" name="Picture 4" descr="Diagram&#10;&#10;Description automatically generated">
+            <a:extLst>
+              <a:ext uri="{FF2B5EF4-FFF2-40B4-BE49-F238E27FC236}">
+                <a16:creationId xmlns:a16="http://schemas.microsoft.com/office/drawing/2014/main" id="{DC67A734-F494-A628-817D-FBC770FD5605}"/>
+              </a:ext>
+            </a:extLst>
+          </p:cNvPr>
+          <p:cNvPicPr>
+            <a:picLocks noChangeAspect="1"/>
+          </p:cNvPicPr>
+          <p:nvPr/>
+        </p:nvPicPr>
+        <p:blipFill rotWithShape="1">
+          <a:blip r:embed="rId2" cstate="print">
+            <a:extLst>
+              <a:ext uri="{28A0092B-C50C-407E-A947-70E740481C1C}">
+                <a14:useLocalDpi xmlns:a14="http://schemas.microsoft.com/office/drawing/2010/main" val="0"/>
+              </a:ext>
+            </a:extLst>
+          </a:blip>
+          <a:srcRect l="2148" t="3183" r="2282" b="3787"/>
+          <a:stretch/>
+        </p:blipFill>
+        <p:spPr bwMode="auto">
+          <a:xfrm>
+            <a:off x="1906549" y="-1"/>
+            <a:ext cx="9529238" cy="6264211"/>
+          </a:xfrm>
+          <a:prstGeom prst="rect">
+            <a:avLst/>
+          </a:prstGeom>
+          <a:ln>
+            <a:noFill/>
+          </a:ln>
+          <a:extLst>
+            <a:ext uri="{53640926-AAD7-44D8-BBD7-CCE9431645EC}">
+              <a14:shadowObscured xmlns:a14="http://schemas.microsoft.com/office/drawing/2010/main"/>
+            </a:ext>
+          </a:extLst>
+        </p:spPr>
+      </p:pic>
     </p:spTree>
     <p:extLst>
       <p:ext uri="{BB962C8B-B14F-4D97-AF65-F5344CB8AC3E}">
-        <p14:creationId xmlns:p14="http://schemas.microsoft.com/office/powerpoint/2010/main" val="2385725722"/>
+        <p14:creationId xmlns:p14="http://schemas.microsoft.com/office/powerpoint/2010/main" val="3093360955"/>
       </p:ext>
     </p:extLst>
   </p:cSld>
@@ -8823,10 +9209,10 @@
       </p:grpSpPr>
       <p:sp>
         <p:nvSpPr>
-          <p:cNvPr id="2" name="Titel 1">
-            <a:extLst>
-              <a:ext uri="{FF2B5EF4-FFF2-40B4-BE49-F238E27FC236}">
-                <a16:creationId xmlns:a16="http://schemas.microsoft.com/office/drawing/2014/main" id="{15508017-EE8A-4AA6-86B9-3F84F6973E58}"/>
+          <p:cNvPr id="2" name="Title 1">
+            <a:extLst>
+              <a:ext uri="{FF2B5EF4-FFF2-40B4-BE49-F238E27FC236}">
+                <a16:creationId xmlns:a16="http://schemas.microsoft.com/office/drawing/2014/main" id="{75BE2A8D-EC76-1AD6-E0B4-7834B0557A2B}"/>
               </a:ext>
             </a:extLst>
           </p:cNvPr>
@@ -8843,62 +9229,51 @@
           <a:lstStyle/>
           <a:p>
             <a:r>
+              <a:rPr lang="en-BE" dirty="0"/>
+              <a:t>Achterliggende werking</a:t>
+            </a:r>
+          </a:p>
+        </p:txBody>
+      </p:sp>
+      <p:sp>
+        <p:nvSpPr>
+          <p:cNvPr id="4" name="Footer Placeholder 3">
+            <a:extLst>
+              <a:ext uri="{FF2B5EF4-FFF2-40B4-BE49-F238E27FC236}">
+                <a16:creationId xmlns:a16="http://schemas.microsoft.com/office/drawing/2014/main" id="{59501988-E931-122D-2AB0-510E4F4119E6}"/>
+              </a:ext>
+            </a:extLst>
+          </p:cNvPr>
+          <p:cNvSpPr>
+            <a:spLocks noGrp="1"/>
+          </p:cNvSpPr>
+          <p:nvPr>
+            <p:ph type="ftr" sz="quarter" idx="11"/>
+          </p:nvPr>
+        </p:nvSpPr>
+        <p:spPr>
+          <a:xfrm>
+            <a:off x="963477" y="6264211"/>
+            <a:ext cx="4114800" cy="365125"/>
+          </a:xfrm>
+        </p:spPr>
+        <p:txBody>
+          <a:bodyPr/>
+          <a:lstStyle/>
+          <a:p>
+            <a:r>
               <a:rPr lang="nl-BE" dirty="0"/>
-              <a:t>Bronnen</a:t>
-            </a:r>
-          </a:p>
-        </p:txBody>
-      </p:sp>
-      <p:sp>
-        <p:nvSpPr>
-          <p:cNvPr id="3" name="Tijdelijke aanduiding voor inhoud 2">
-            <a:extLst>
-              <a:ext uri="{FF2B5EF4-FFF2-40B4-BE49-F238E27FC236}">
-                <a16:creationId xmlns:a16="http://schemas.microsoft.com/office/drawing/2014/main" id="{9969F59A-4320-4C38-87F9-6A09F2CF80E2}"/>
-              </a:ext>
-            </a:extLst>
-          </p:cNvPr>
-          <p:cNvSpPr>
-            <a:spLocks noGrp="1"/>
-          </p:cNvSpPr>
-          <p:nvPr>
-            <p:ph idx="1"/>
-          </p:nvPr>
-        </p:nvSpPr>
-        <p:spPr>
-          <a:xfrm>
-            <a:off x="2238429" y="1918979"/>
-            <a:ext cx="7715141" cy="3020042"/>
-          </a:xfrm>
-        </p:spPr>
-        <p:txBody>
-          <a:bodyPr/>
-          <a:lstStyle/>
-          <a:p>
-            <a:pPr marL="457200" indent="-457200">
-              <a:lnSpc>
-                <a:spcPct val="200000"/>
-              </a:lnSpc>
-            </a:pPr>
-            <a:r>
-              <a:rPr lang="nl-BE" sz="1400" dirty="0">
-                <a:latin typeface="Times New Roman" panose="02020603050405020304" pitchFamily="18" charset="0"/>
-              </a:rPr>
-              <a:t>https://www.newupdate.be/wp-content/uploads/2022/06/gerrit.vanmol_2022_EP2.pdf</a:t>
-            </a:r>
-            <a:endParaRPr lang="nl-BE" sz="1400" dirty="0">
-              <a:effectLst/>
-              <a:latin typeface="Times New Roman" panose="02020603050405020304" pitchFamily="18" charset="0"/>
-            </a:endParaRPr>
-          </a:p>
-        </p:txBody>
-      </p:sp>
-      <p:sp>
-        <p:nvSpPr>
-          <p:cNvPr id="5" name="Tijdelijke aanduiding voor dianummer 4">
-            <a:extLst>
-              <a:ext uri="{FF2B5EF4-FFF2-40B4-BE49-F238E27FC236}">
-                <a16:creationId xmlns:a16="http://schemas.microsoft.com/office/drawing/2014/main" id="{0CBF944A-496B-4A5D-A83F-64DC00ED6AC3}"/>
+              <a:t>Automatisatie van firewall configuraties en de</a:t>
+            </a:r>
+          </a:p>
+        </p:txBody>
+      </p:sp>
+      <p:sp>
+        <p:nvSpPr>
+          <p:cNvPr id="5" name="Slide Number Placeholder 4">
+            <a:extLst>
+              <a:ext uri="{FF2B5EF4-FFF2-40B4-BE49-F238E27FC236}">
+                <a16:creationId xmlns:a16="http://schemas.microsoft.com/office/drawing/2014/main" id="{CD8BFC3A-A2A8-DCF2-9F6E-A61D664BCA8E}"/>
               </a:ext>
             </a:extLst>
           </p:cNvPr>
@@ -8909,56 +9284,66 @@
             <p:ph type="sldNum" sz="quarter" idx="12"/>
           </p:nvPr>
         </p:nvSpPr>
-        <p:spPr/>
+        <p:spPr>
+          <a:xfrm>
+            <a:off x="534291" y="6264211"/>
+            <a:ext cx="429186" cy="365125"/>
+          </a:xfrm>
+        </p:spPr>
         <p:txBody>
           <a:bodyPr/>
           <a:lstStyle/>
           <a:p>
             <a:fld id="{FCA3638F-6D52-644A-9831-93255061F043}" type="slidenum">
-              <a:rPr lang="nl-BE" smtClean="0"/>
+              <a:rPr lang="en-BE" smtClean="0"/>
               <a:t>17</a:t>
             </a:fld>
-            <a:endParaRPr lang="nl-BE"/>
-          </a:p>
-        </p:txBody>
-      </p:sp>
-      <p:sp>
-        <p:nvSpPr>
-          <p:cNvPr id="7" name="Tijdelijke aanduiding voor voettekst 2">
-            <a:extLst>
-              <a:ext uri="{FF2B5EF4-FFF2-40B4-BE49-F238E27FC236}">
-                <a16:creationId xmlns:a16="http://schemas.microsoft.com/office/drawing/2014/main" id="{2FEF117D-2650-0DC0-CDCC-5A86EE186D45}"/>
-              </a:ext>
-            </a:extLst>
-          </p:cNvPr>
-          <p:cNvSpPr>
-            <a:spLocks noGrp="1"/>
-          </p:cNvSpPr>
-          <p:nvPr>
-            <p:ph type="ftr" sz="quarter" idx="11"/>
-          </p:nvPr>
-        </p:nvSpPr>
-        <p:spPr>
-          <a:xfrm>
-            <a:off x="861246" y="6264211"/>
-            <a:ext cx="4860046" cy="365125"/>
-          </a:xfrm>
-        </p:spPr>
-        <p:txBody>
-          <a:bodyPr/>
-          <a:lstStyle/>
-          <a:p>
-            <a:r>
-              <a:rPr lang="nl-BE" dirty="0"/>
-              <a:t>Automatisatie van firewall configuraties en deployment</a:t>
-            </a:r>
-          </a:p>
-        </p:txBody>
-      </p:sp>
+            <a:r>
+              <a:rPr lang="en-BE" dirty="0"/>
+              <a:t>/22</a:t>
+            </a:r>
+          </a:p>
+        </p:txBody>
+      </p:sp>
+      <p:pic>
+        <p:nvPicPr>
+          <p:cNvPr id="6" name="Picture 5" descr="Diagram&#10;&#10;Description automatically generated">
+            <a:extLst>
+              <a:ext uri="{FF2B5EF4-FFF2-40B4-BE49-F238E27FC236}">
+                <a16:creationId xmlns:a16="http://schemas.microsoft.com/office/drawing/2014/main" id="{81413A02-AAFF-A967-C3C3-37FD93944526}"/>
+              </a:ext>
+            </a:extLst>
+          </p:cNvPr>
+          <p:cNvPicPr>
+            <a:picLocks noChangeAspect="1"/>
+          </p:cNvPicPr>
+          <p:nvPr/>
+        </p:nvPicPr>
+        <p:blipFill rotWithShape="1">
+          <a:blip r:embed="rId2" cstate="print">
+            <a:extLst>
+              <a:ext uri="{28A0092B-C50C-407E-A947-70E740481C1C}">
+                <a14:useLocalDpi xmlns:a14="http://schemas.microsoft.com/office/drawing/2010/main" val="0"/>
+              </a:ext>
+            </a:extLst>
+          </a:blip>
+          <a:srcRect t="1077" b="621"/>
+          <a:stretch/>
+        </p:blipFill>
+        <p:spPr>
+          <a:xfrm>
+            <a:off x="3695657" y="0"/>
+            <a:ext cx="5675523" cy="6867695"/>
+          </a:xfrm>
+          <a:prstGeom prst="rect">
+            <a:avLst/>
+          </a:prstGeom>
+        </p:spPr>
+      </p:pic>
     </p:spTree>
     <p:extLst>
       <p:ext uri="{BB962C8B-B14F-4D97-AF65-F5344CB8AC3E}">
-        <p14:creationId xmlns:p14="http://schemas.microsoft.com/office/powerpoint/2010/main" val="4126025673"/>
+        <p14:creationId xmlns:p14="http://schemas.microsoft.com/office/powerpoint/2010/main" val="539056699"/>
       </p:ext>
     </p:extLst>
   </p:cSld>
@@ -8987,36 +9372,125 @@
       </p:grpSpPr>
       <p:sp>
         <p:nvSpPr>
-          <p:cNvPr id="2" name="Title 1"/>
-          <p:cNvSpPr>
-            <a:spLocks noGrp="1"/>
-          </p:cNvSpPr>
-          <p:nvPr>
-            <p:ph type="ctrTitle"/>
-          </p:nvPr>
-        </p:nvSpPr>
-        <p:spPr>
-          <a:xfrm>
-            <a:off x="490745" y="2281806"/>
-            <a:ext cx="11210510" cy="996193"/>
-          </a:xfrm>
-        </p:spPr>
-        <p:txBody>
-          <a:bodyPr/>
-          <a:lstStyle/>
-          <a:p>
-            <a:pPr algn="ctr"/>
-            <a:r>
-              <a:rPr lang="nl-BE" dirty="0">
-                <a:effectLst>
-                  <a:outerShdw blurRad="38100" dist="38100" dir="2700000" algn="tl">
-                    <a:srgbClr val="000000">
-                      <a:alpha val="43137"/>
-                    </a:srgbClr>
-                  </a:outerShdw>
-                </a:effectLst>
-              </a:rPr>
-              <a:t>Vragen</a:t>
+          <p:cNvPr id="5" name="Title 4"/>
+          <p:cNvSpPr>
+            <a:spLocks noGrp="1"/>
+          </p:cNvSpPr>
+          <p:nvPr>
+            <p:ph type="title"/>
+          </p:nvPr>
+        </p:nvSpPr>
+        <p:spPr>
+          <a:xfrm>
+            <a:off x="2674829" y="2226013"/>
+            <a:ext cx="9428502" cy="1429415"/>
+          </a:xfrm>
+        </p:spPr>
+        <p:txBody>
+          <a:bodyPr/>
+          <a:lstStyle/>
+          <a:p>
+            <a:r>
+              <a:rPr lang="nl-BE" dirty="0"/>
+              <a:t>Besluit en bedenkingen</a:t>
+            </a:r>
+          </a:p>
+        </p:txBody>
+      </p:sp>
+      <p:sp>
+        <p:nvSpPr>
+          <p:cNvPr id="6" name="Text Placeholder 5"/>
+          <p:cNvSpPr>
+            <a:spLocks noGrp="1"/>
+          </p:cNvSpPr>
+          <p:nvPr>
+            <p:ph type="body" idx="1"/>
+          </p:nvPr>
+        </p:nvSpPr>
+        <p:spPr/>
+        <p:txBody>
+          <a:bodyPr/>
+          <a:lstStyle/>
+          <a:p>
+            <a:endParaRPr lang="nl-BE" dirty="0"/>
+          </a:p>
+        </p:txBody>
+      </p:sp>
+      <p:sp>
+        <p:nvSpPr>
+          <p:cNvPr id="3" name="Tijdelijke aanduiding voor voettekst 2"/>
+          <p:cNvSpPr>
+            <a:spLocks noGrp="1"/>
+          </p:cNvSpPr>
+          <p:nvPr>
+            <p:ph type="ftr" sz="quarter" idx="11"/>
+          </p:nvPr>
+        </p:nvSpPr>
+        <p:spPr>
+          <a:xfrm>
+            <a:off x="861246" y="6264211"/>
+            <a:ext cx="4860046" cy="365125"/>
+          </a:xfrm>
+        </p:spPr>
+        <p:txBody>
+          <a:bodyPr/>
+          <a:lstStyle/>
+          <a:p>
+            <a:r>
+              <a:rPr lang="nl-BE" dirty="0"/>
+              <a:t>Automatisatie van firewall configuraties en deployment</a:t>
+            </a:r>
+          </a:p>
+        </p:txBody>
+      </p:sp>
+      <p:sp>
+        <p:nvSpPr>
+          <p:cNvPr id="4" name="Slide Number Placeholder 3"/>
+          <p:cNvSpPr>
+            <a:spLocks noGrp="1"/>
+          </p:cNvSpPr>
+          <p:nvPr>
+            <p:ph type="sldNum" sz="quarter" idx="12"/>
+          </p:nvPr>
+        </p:nvSpPr>
+        <p:spPr/>
+        <p:txBody>
+          <a:bodyPr/>
+          <a:lstStyle/>
+          <a:p>
+            <a:fld id="{951AF886-4571-425F-BB1D-73D27EFBFE49}" type="slidenum">
+              <a:rPr lang="nl-BE" smtClean="0"/>
+              <a:pPr/>
+              <a:t>18</a:t>
+            </a:fld>
+            <a:endParaRPr lang="nl-BE"/>
+          </a:p>
+        </p:txBody>
+      </p:sp>
+      <p:sp>
+        <p:nvSpPr>
+          <p:cNvPr id="7" name="Tijdelijke aanduiding voor tekst 6">
+            <a:extLst>
+              <a:ext uri="{FF2B5EF4-FFF2-40B4-BE49-F238E27FC236}">
+                <a16:creationId xmlns:a16="http://schemas.microsoft.com/office/drawing/2014/main" id="{349BB81D-9826-4F16-9332-1F822A69AF91}"/>
+              </a:ext>
+            </a:extLst>
+          </p:cNvPr>
+          <p:cNvSpPr>
+            <a:spLocks noGrp="1"/>
+          </p:cNvSpPr>
+          <p:nvPr>
+            <p:ph type="body" sz="quarter" idx="13"/>
+          </p:nvPr>
+        </p:nvSpPr>
+        <p:spPr/>
+        <p:txBody>
+          <a:bodyPr/>
+          <a:lstStyle/>
+          <a:p>
+            <a:r>
+              <a:rPr lang="nl-BE" dirty="0"/>
+              <a:t>6</a:t>
             </a:r>
           </a:p>
         </p:txBody>
@@ -9024,7 +9498,7 @@
     </p:spTree>
     <p:extLst>
       <p:ext uri="{BB962C8B-B14F-4D97-AF65-F5344CB8AC3E}">
-        <p14:creationId xmlns:p14="http://schemas.microsoft.com/office/powerpoint/2010/main" val="2554745092"/>
+        <p14:creationId xmlns:p14="http://schemas.microsoft.com/office/powerpoint/2010/main" val="3109869871"/>
       </p:ext>
     </p:extLst>
   </p:cSld>
@@ -9058,31 +9532,149 @@
             <a:spLocks noGrp="1"/>
           </p:cNvSpPr>
           <p:nvPr>
-            <p:ph type="ctrTitle"/>
-          </p:nvPr>
-        </p:nvSpPr>
-        <p:spPr>
-          <a:xfrm>
-            <a:off x="490745" y="2281806"/>
-            <a:ext cx="11210510" cy="996193"/>
-          </a:xfrm>
-        </p:spPr>
-        <p:txBody>
-          <a:bodyPr/>
-          <a:lstStyle/>
-          <a:p>
-            <a:pPr algn="ctr"/>
-            <a:r>
-              <a:rPr lang="nl-BE" dirty="0">
-                <a:effectLst>
-                  <a:outerShdw blurRad="38100" dist="38100" dir="2700000" algn="tl">
-                    <a:srgbClr val="000000">
-                      <a:alpha val="43137"/>
-                    </a:srgbClr>
-                  </a:outerShdw>
-                </a:effectLst>
-              </a:rPr>
-              <a:t>Bedankt voor uw aandacht</a:t>
+            <p:ph type="title"/>
+          </p:nvPr>
+        </p:nvSpPr>
+        <p:spPr/>
+        <p:txBody>
+          <a:bodyPr/>
+          <a:lstStyle/>
+          <a:p>
+            <a:r>
+              <a:rPr lang="nl-BE" dirty="0"/>
+              <a:t>Besluit en bedenkingen</a:t>
+            </a:r>
+          </a:p>
+        </p:txBody>
+      </p:sp>
+      <p:sp>
+        <p:nvSpPr>
+          <p:cNvPr id="3" name="Content Placeholder 2">
+            <a:extLst>
+              <a:ext uri="{FF2B5EF4-FFF2-40B4-BE49-F238E27FC236}">
+                <a16:creationId xmlns:a16="http://schemas.microsoft.com/office/drawing/2014/main" id="{F1358177-9A4E-071E-1B5C-D10CEB2D5010}"/>
+              </a:ext>
+            </a:extLst>
+          </p:cNvPr>
+          <p:cNvSpPr>
+            <a:spLocks noGrp="1"/>
+          </p:cNvSpPr>
+          <p:nvPr>
+            <p:ph idx="1"/>
+          </p:nvPr>
+        </p:nvSpPr>
+        <p:spPr>
+          <a:xfrm>
+            <a:off x="1630326" y="1883734"/>
+            <a:ext cx="9281274" cy="3090532"/>
+          </a:xfrm>
+        </p:spPr>
+        <p:txBody>
+          <a:bodyPr/>
+          <a:lstStyle/>
+          <a:p>
+            <a:pPr marL="457200" indent="-457200">
+              <a:buFont typeface="Arial" panose="020B0604020202020204" pitchFamily="34" charset="0"/>
+              <a:buChar char="•"/>
+            </a:pPr>
+            <a:r>
+              <a:rPr lang="en-BE" dirty="0"/>
+              <a:t>Momenteel niet beschikbaar voor eindgebruikers</a:t>
+            </a:r>
+          </a:p>
+          <a:p>
+            <a:pPr marL="457200" indent="-457200">
+              <a:buFont typeface="Arial" panose="020B0604020202020204" pitchFamily="34" charset="0"/>
+              <a:buChar char="•"/>
+            </a:pPr>
+            <a:r>
+              <a:rPr lang="en-BE" dirty="0"/>
+              <a:t>Feedback voor optimalisatie beperkt</a:t>
+            </a:r>
+          </a:p>
+          <a:p>
+            <a:pPr marL="457200" indent="-457200">
+              <a:buFont typeface="Arial" panose="020B0604020202020204" pitchFamily="34" charset="0"/>
+              <a:buChar char="•"/>
+            </a:pPr>
+            <a:r>
+              <a:rPr lang="en-BE" dirty="0"/>
+              <a:t>Herbruikbare informatie/code</a:t>
+            </a:r>
+          </a:p>
+          <a:p>
+            <a:pPr marL="457200" indent="-457200">
+              <a:buFont typeface="Arial" panose="020B0604020202020204" pitchFamily="34" charset="0"/>
+              <a:buChar char="•"/>
+            </a:pPr>
+            <a:r>
+              <a:rPr lang="en-BE" dirty="0"/>
+              <a:t>Toegankelijker =&gt; tijdsbesparend</a:t>
+            </a:r>
+          </a:p>
+        </p:txBody>
+      </p:sp>
+      <p:sp>
+        <p:nvSpPr>
+          <p:cNvPr id="7" name="Tijdelijke aanduiding voor voettekst 2">
+            <a:extLst>
+              <a:ext uri="{FF2B5EF4-FFF2-40B4-BE49-F238E27FC236}">
+                <a16:creationId xmlns:a16="http://schemas.microsoft.com/office/drawing/2014/main" id="{260F5A91-B28F-F0A1-4668-D411DD2061E5}"/>
+              </a:ext>
+            </a:extLst>
+          </p:cNvPr>
+          <p:cNvSpPr>
+            <a:spLocks noGrp="1"/>
+          </p:cNvSpPr>
+          <p:nvPr>
+            <p:ph type="ftr" sz="quarter" idx="11"/>
+          </p:nvPr>
+        </p:nvSpPr>
+        <p:spPr>
+          <a:xfrm>
+            <a:off x="1037311" y="6264211"/>
+            <a:ext cx="4114800" cy="365125"/>
+          </a:xfrm>
+        </p:spPr>
+        <p:txBody>
+          <a:bodyPr/>
+          <a:lstStyle/>
+          <a:p>
+            <a:r>
+              <a:rPr lang="nl-BE" dirty="0"/>
+              <a:t>Automatisatie van firewall configuraties en deployment</a:t>
+            </a:r>
+          </a:p>
+        </p:txBody>
+      </p:sp>
+      <p:sp>
+        <p:nvSpPr>
+          <p:cNvPr id="4" name="Slide Number Placeholder 3"/>
+          <p:cNvSpPr>
+            <a:spLocks noGrp="1"/>
+          </p:cNvSpPr>
+          <p:nvPr>
+            <p:ph type="sldNum" sz="quarter" idx="12"/>
+          </p:nvPr>
+        </p:nvSpPr>
+        <p:spPr>
+          <a:xfrm>
+            <a:off x="534291" y="6264211"/>
+            <a:ext cx="397148" cy="365125"/>
+          </a:xfrm>
+        </p:spPr>
+        <p:txBody>
+          <a:bodyPr/>
+          <a:lstStyle/>
+          <a:p>
+            <a:fld id="{951AF886-4571-425F-BB1D-73D27EFBFE49}" type="slidenum">
+              <a:rPr lang="nl-BE" smtClean="0"/>
+              <a:pPr/>
+              <a:t>19</a:t>
+            </a:fld>
+            <a:r>
+              <a:rPr lang="nl-BE" dirty="0"/>
+              <a:t>/22</a:t>
             </a:r>
           </a:p>
         </p:txBody>
@@ -9090,7 +9682,7 @@
     </p:spTree>
     <p:extLst>
       <p:ext uri="{BB962C8B-B14F-4D97-AF65-F5344CB8AC3E}">
-        <p14:creationId xmlns:p14="http://schemas.microsoft.com/office/powerpoint/2010/main" val="2826385495"/>
+        <p14:creationId xmlns:p14="http://schemas.microsoft.com/office/powerpoint/2010/main" val="2385725722"/>
       </p:ext>
     </p:extLst>
   </p:cSld>
@@ -9244,6 +9836,338 @@
 </p:sld>
 </file>
 
+<file path=ppt/slides/slide20.xml><?xml version="1.0" encoding="utf-8"?>
+<p:sld xmlns:a="http://schemas.openxmlformats.org/drawingml/2006/main" xmlns:r="http://schemas.openxmlformats.org/officeDocument/2006/relationships" xmlns:p="http://schemas.openxmlformats.org/presentationml/2006/main">
+  <p:cSld>
+    <p:spTree>
+      <p:nvGrpSpPr>
+        <p:cNvPr id="1" name=""/>
+        <p:cNvGrpSpPr/>
+        <p:nvPr/>
+      </p:nvGrpSpPr>
+      <p:grpSpPr>
+        <a:xfrm>
+          <a:off x="0" y="0"/>
+          <a:ext cx="0" cy="0"/>
+          <a:chOff x="0" y="0"/>
+          <a:chExt cx="0" cy="0"/>
+        </a:xfrm>
+      </p:grpSpPr>
+      <p:sp>
+        <p:nvSpPr>
+          <p:cNvPr id="2" name="Titel 1">
+            <a:extLst>
+              <a:ext uri="{FF2B5EF4-FFF2-40B4-BE49-F238E27FC236}">
+                <a16:creationId xmlns:a16="http://schemas.microsoft.com/office/drawing/2014/main" id="{15508017-EE8A-4AA6-86B9-3F84F6973E58}"/>
+              </a:ext>
+            </a:extLst>
+          </p:cNvPr>
+          <p:cNvSpPr>
+            <a:spLocks noGrp="1"/>
+          </p:cNvSpPr>
+          <p:nvPr>
+            <p:ph type="title"/>
+          </p:nvPr>
+        </p:nvSpPr>
+        <p:spPr/>
+        <p:txBody>
+          <a:bodyPr/>
+          <a:lstStyle/>
+          <a:p>
+            <a:r>
+              <a:rPr lang="nl-BE" dirty="0"/>
+              <a:t>Bronnen</a:t>
+            </a:r>
+          </a:p>
+        </p:txBody>
+      </p:sp>
+      <p:sp>
+        <p:nvSpPr>
+          <p:cNvPr id="3" name="Tijdelijke aanduiding voor inhoud 2">
+            <a:extLst>
+              <a:ext uri="{FF2B5EF4-FFF2-40B4-BE49-F238E27FC236}">
+                <a16:creationId xmlns:a16="http://schemas.microsoft.com/office/drawing/2014/main" id="{9969F59A-4320-4C38-87F9-6A09F2CF80E2}"/>
+              </a:ext>
+            </a:extLst>
+          </p:cNvPr>
+          <p:cNvSpPr>
+            <a:spLocks noGrp="1"/>
+          </p:cNvSpPr>
+          <p:nvPr>
+            <p:ph idx="1"/>
+          </p:nvPr>
+        </p:nvSpPr>
+        <p:spPr>
+          <a:xfrm>
+            <a:off x="2238429" y="1918979"/>
+            <a:ext cx="7715141" cy="3020042"/>
+          </a:xfrm>
+        </p:spPr>
+        <p:txBody>
+          <a:bodyPr/>
+          <a:lstStyle/>
+          <a:p>
+            <a:pPr marL="457200" indent="-457200">
+              <a:lnSpc>
+                <a:spcPct val="200000"/>
+              </a:lnSpc>
+            </a:pPr>
+            <a:r>
+              <a:rPr lang="nl-BE" sz="1400" dirty="0">
+                <a:latin typeface="Times New Roman" panose="02020603050405020304" pitchFamily="18" charset="0"/>
+                <a:hlinkClick r:id="rId2"/>
+              </a:rPr>
+              <a:t>https://www.newupdate.be/wp-content/uploads/2022/06/gerrit.vanmol_2022_EP2.pdf</a:t>
+            </a:r>
+            <a:endParaRPr lang="nl-BE" sz="1400" dirty="0">
+              <a:latin typeface="Times New Roman" panose="02020603050405020304" pitchFamily="18" charset="0"/>
+            </a:endParaRPr>
+          </a:p>
+          <a:p>
+            <a:pPr marL="457200" indent="-457200">
+              <a:lnSpc>
+                <a:spcPct val="200000"/>
+              </a:lnSpc>
+            </a:pPr>
+            <a:r>
+              <a:rPr lang="nl-BE" sz="1400" dirty="0">
+                <a:latin typeface="Times New Roman" panose="02020603050405020304" pitchFamily="18" charset="0"/>
+                <a:hlinkClick r:id="rId3"/>
+              </a:rPr>
+              <a:t>https://medium.com/@mahmoud.maghni8/ansible-for-networking-with-django-based-gui-simple-use-case-d558d3ec99b6</a:t>
+            </a:r>
+            <a:endParaRPr lang="nl-BE" sz="1400" dirty="0">
+              <a:latin typeface="Times New Roman" panose="02020603050405020304" pitchFamily="18" charset="0"/>
+            </a:endParaRPr>
+          </a:p>
+          <a:p>
+            <a:pPr marL="457200" indent="-457200">
+              <a:lnSpc>
+                <a:spcPct val="200000"/>
+              </a:lnSpc>
+            </a:pPr>
+            <a:endParaRPr lang="nl-BE" sz="1400" dirty="0">
+              <a:effectLst/>
+              <a:latin typeface="Times New Roman" panose="02020603050405020304" pitchFamily="18" charset="0"/>
+            </a:endParaRPr>
+          </a:p>
+        </p:txBody>
+      </p:sp>
+      <p:sp>
+        <p:nvSpPr>
+          <p:cNvPr id="5" name="Tijdelijke aanduiding voor dianummer 4">
+            <a:extLst>
+              <a:ext uri="{FF2B5EF4-FFF2-40B4-BE49-F238E27FC236}">
+                <a16:creationId xmlns:a16="http://schemas.microsoft.com/office/drawing/2014/main" id="{0CBF944A-496B-4A5D-A83F-64DC00ED6AC3}"/>
+              </a:ext>
+            </a:extLst>
+          </p:cNvPr>
+          <p:cNvSpPr>
+            <a:spLocks noGrp="1"/>
+          </p:cNvSpPr>
+          <p:nvPr>
+            <p:ph type="sldNum" sz="quarter" idx="12"/>
+          </p:nvPr>
+        </p:nvSpPr>
+        <p:spPr>
+          <a:xfrm>
+            <a:off x="534291" y="6264211"/>
+            <a:ext cx="419866" cy="365125"/>
+          </a:xfrm>
+        </p:spPr>
+        <p:txBody>
+          <a:bodyPr/>
+          <a:lstStyle/>
+          <a:p>
+            <a:fld id="{FCA3638F-6D52-644A-9831-93255061F043}" type="slidenum">
+              <a:rPr lang="nl-BE" smtClean="0"/>
+              <a:t>20</a:t>
+            </a:fld>
+            <a:r>
+              <a:rPr lang="nl-BE" dirty="0"/>
+              <a:t>/22</a:t>
+            </a:r>
+          </a:p>
+        </p:txBody>
+      </p:sp>
+      <p:sp>
+        <p:nvSpPr>
+          <p:cNvPr id="7" name="Tijdelijke aanduiding voor voettekst 2">
+            <a:extLst>
+              <a:ext uri="{FF2B5EF4-FFF2-40B4-BE49-F238E27FC236}">
+                <a16:creationId xmlns:a16="http://schemas.microsoft.com/office/drawing/2014/main" id="{2FEF117D-2650-0DC0-CDCC-5A86EE186D45}"/>
+              </a:ext>
+            </a:extLst>
+          </p:cNvPr>
+          <p:cNvSpPr>
+            <a:spLocks noGrp="1"/>
+          </p:cNvSpPr>
+          <p:nvPr>
+            <p:ph type="ftr" sz="quarter" idx="11"/>
+          </p:nvPr>
+        </p:nvSpPr>
+        <p:spPr>
+          <a:xfrm>
+            <a:off x="1071387" y="6264211"/>
+            <a:ext cx="4860046" cy="365125"/>
+          </a:xfrm>
+        </p:spPr>
+        <p:txBody>
+          <a:bodyPr/>
+          <a:lstStyle/>
+          <a:p>
+            <a:r>
+              <a:rPr lang="nl-BE" dirty="0"/>
+              <a:t>Automatisatie van firewall configuraties en deployment</a:t>
+            </a:r>
+          </a:p>
+        </p:txBody>
+      </p:sp>
+    </p:spTree>
+    <p:extLst>
+      <p:ext uri="{BB962C8B-B14F-4D97-AF65-F5344CB8AC3E}">
+        <p14:creationId xmlns:p14="http://schemas.microsoft.com/office/powerpoint/2010/main" val="4126025673"/>
+      </p:ext>
+    </p:extLst>
+  </p:cSld>
+  <p:clrMapOvr>
+    <a:masterClrMapping/>
+  </p:clrMapOvr>
+</p:sld>
+</file>
+
+<file path=ppt/slides/slide21.xml><?xml version="1.0" encoding="utf-8"?>
+<p:sld xmlns:a="http://schemas.openxmlformats.org/drawingml/2006/main" xmlns:r="http://schemas.openxmlformats.org/officeDocument/2006/relationships" xmlns:p="http://schemas.openxmlformats.org/presentationml/2006/main">
+  <p:cSld>
+    <p:spTree>
+      <p:nvGrpSpPr>
+        <p:cNvPr id="1" name=""/>
+        <p:cNvGrpSpPr/>
+        <p:nvPr/>
+      </p:nvGrpSpPr>
+      <p:grpSpPr>
+        <a:xfrm>
+          <a:off x="0" y="0"/>
+          <a:ext cx="0" cy="0"/>
+          <a:chOff x="0" y="0"/>
+          <a:chExt cx="0" cy="0"/>
+        </a:xfrm>
+      </p:grpSpPr>
+      <p:sp>
+        <p:nvSpPr>
+          <p:cNvPr id="2" name="Title 1"/>
+          <p:cNvSpPr>
+            <a:spLocks noGrp="1"/>
+          </p:cNvSpPr>
+          <p:nvPr>
+            <p:ph type="ctrTitle"/>
+          </p:nvPr>
+        </p:nvSpPr>
+        <p:spPr>
+          <a:xfrm>
+            <a:off x="490745" y="2281806"/>
+            <a:ext cx="11210510" cy="996193"/>
+          </a:xfrm>
+        </p:spPr>
+        <p:txBody>
+          <a:bodyPr/>
+          <a:lstStyle/>
+          <a:p>
+            <a:pPr algn="ctr"/>
+            <a:r>
+              <a:rPr lang="nl-BE" dirty="0">
+                <a:effectLst>
+                  <a:outerShdw blurRad="38100" dist="38100" dir="2700000" algn="tl">
+                    <a:srgbClr val="000000">
+                      <a:alpha val="43137"/>
+                    </a:srgbClr>
+                  </a:outerShdw>
+                </a:effectLst>
+              </a:rPr>
+              <a:t>Vragen</a:t>
+            </a:r>
+          </a:p>
+        </p:txBody>
+      </p:sp>
+    </p:spTree>
+    <p:extLst>
+      <p:ext uri="{BB962C8B-B14F-4D97-AF65-F5344CB8AC3E}">
+        <p14:creationId xmlns:p14="http://schemas.microsoft.com/office/powerpoint/2010/main" val="2554745092"/>
+      </p:ext>
+    </p:extLst>
+  </p:cSld>
+  <p:clrMapOvr>
+    <a:masterClrMapping/>
+  </p:clrMapOvr>
+</p:sld>
+</file>
+
+<file path=ppt/slides/slide22.xml><?xml version="1.0" encoding="utf-8"?>
+<p:sld xmlns:a="http://schemas.openxmlformats.org/drawingml/2006/main" xmlns:r="http://schemas.openxmlformats.org/officeDocument/2006/relationships" xmlns:p="http://schemas.openxmlformats.org/presentationml/2006/main">
+  <p:cSld>
+    <p:spTree>
+      <p:nvGrpSpPr>
+        <p:cNvPr id="1" name=""/>
+        <p:cNvGrpSpPr/>
+        <p:nvPr/>
+      </p:nvGrpSpPr>
+      <p:grpSpPr>
+        <a:xfrm>
+          <a:off x="0" y="0"/>
+          <a:ext cx="0" cy="0"/>
+          <a:chOff x="0" y="0"/>
+          <a:chExt cx="0" cy="0"/>
+        </a:xfrm>
+      </p:grpSpPr>
+      <p:sp>
+        <p:nvSpPr>
+          <p:cNvPr id="2" name="Title 1"/>
+          <p:cNvSpPr>
+            <a:spLocks noGrp="1"/>
+          </p:cNvSpPr>
+          <p:nvPr>
+            <p:ph type="ctrTitle"/>
+          </p:nvPr>
+        </p:nvSpPr>
+        <p:spPr>
+          <a:xfrm>
+            <a:off x="490745" y="2281806"/>
+            <a:ext cx="11210510" cy="996193"/>
+          </a:xfrm>
+        </p:spPr>
+        <p:txBody>
+          <a:bodyPr/>
+          <a:lstStyle/>
+          <a:p>
+            <a:pPr algn="ctr"/>
+            <a:r>
+              <a:rPr lang="nl-BE" dirty="0">
+                <a:effectLst>
+                  <a:outerShdw blurRad="38100" dist="38100" dir="2700000" algn="tl">
+                    <a:srgbClr val="000000">
+                      <a:alpha val="43137"/>
+                    </a:srgbClr>
+                  </a:outerShdw>
+                </a:effectLst>
+              </a:rPr>
+              <a:t>Bedankt voor uw aandacht</a:t>
+            </a:r>
+          </a:p>
+        </p:txBody>
+      </p:sp>
+    </p:spTree>
+    <p:extLst>
+      <p:ext uri="{BB962C8B-B14F-4D97-AF65-F5344CB8AC3E}">
+        <p14:creationId xmlns:p14="http://schemas.microsoft.com/office/powerpoint/2010/main" val="2826385495"/>
+      </p:ext>
+    </p:extLst>
+  </p:cSld>
+  <p:clrMapOvr>
+    <a:masterClrMapping/>
+  </p:clrMapOvr>
+</p:sld>
+</file>
+
 <file path=ppt/slides/slide3.xml><?xml version="1.0" encoding="utf-8"?>
 <p:sld xmlns:a="http://schemas.openxmlformats.org/drawingml/2006/main" xmlns:r="http://schemas.openxmlformats.org/officeDocument/2006/relationships" xmlns:p="http://schemas.openxmlformats.org/presentationml/2006/main">
   <p:cSld>
@@ -9313,7 +10237,7 @@
           <a:p>
             <a:r>
               <a:rPr lang="nl-BE" dirty="0"/>
-              <a:t>Probleem stelling</a:t>
+              <a:t>Probleemstelling</a:t>
             </a:r>
           </a:p>
           <a:p>
@@ -9331,6 +10255,12 @@
           <a:p>
             <a:r>
               <a:rPr lang="nl-BE" dirty="0"/>
+              <a:t>Verschillende scenario’s</a:t>
+            </a:r>
+          </a:p>
+          <a:p>
+            <a:r>
+              <a:rPr lang="nl-BE" dirty="0"/>
               <a:t>Platform zelf</a:t>
             </a:r>
           </a:p>
@@ -9358,7 +10288,12 @@
             <p:ph type="sldNum" sz="quarter" idx="12"/>
           </p:nvPr>
         </p:nvSpPr>
-        <p:spPr/>
+        <p:spPr>
+          <a:xfrm>
+            <a:off x="534290" y="6264211"/>
+            <a:ext cx="334673" cy="365125"/>
+          </a:xfrm>
+        </p:spPr>
         <p:txBody>
           <a:bodyPr/>
           <a:lstStyle/>
@@ -9368,7 +10303,10 @@
               <a:pPr/>
               <a:t>3</a:t>
             </a:fld>
-            <a:endParaRPr lang="nl-BE"/>
+            <a:r>
+              <a:rPr lang="nl-BE" dirty="0"/>
+              <a:t>/22</a:t>
+            </a:r>
           </a:p>
         </p:txBody>
       </p:sp>
@@ -9390,7 +10328,7 @@
         </p:nvSpPr>
         <p:spPr>
           <a:xfrm>
-            <a:off x="861246" y="6264211"/>
+            <a:off x="911290" y="6264211"/>
             <a:ext cx="4860046" cy="365125"/>
           </a:xfrm>
         </p:spPr>
@@ -9644,7 +10582,7 @@
             </a:pPr>
             <a:r>
               <a:rPr lang="en-BE" dirty="0"/>
-              <a:t>Platform voor “software defined networking”</a:t>
+              <a:t>Platform voor beheer/configuratie van firewalls</a:t>
             </a:r>
           </a:p>
           <a:p>
@@ -9654,7 +10592,27 @@
             </a:pPr>
             <a:r>
               <a:rPr lang="en-BE" dirty="0"/>
-              <a:t>Beheer/configuratie van firewalls</a:t>
+              <a:t>Optimalisatie workflow</a:t>
+            </a:r>
+          </a:p>
+          <a:p>
+            <a:pPr marL="457200" indent="-457200">
+              <a:buFont typeface="Arial" panose="020B0604020202020204" pitchFamily="34" charset="0"/>
+              <a:buChar char="•"/>
+            </a:pPr>
+            <a:r>
+              <a:rPr lang="en-BE" dirty="0"/>
+              <a:t>Minder configuratie fouten</a:t>
+            </a:r>
+          </a:p>
+          <a:p>
+            <a:pPr marL="457200" indent="-457200">
+              <a:buFont typeface="Arial" panose="020B0604020202020204" pitchFamily="34" charset="0"/>
+              <a:buChar char="•"/>
+            </a:pPr>
+            <a:r>
+              <a:rPr lang="en-BE" dirty="0"/>
+              <a:t>Beter overzicht</a:t>
             </a:r>
           </a:p>
         </p:txBody>
@@ -9675,7 +10633,12 @@
             <p:ph type="ftr" sz="quarter" idx="11"/>
           </p:nvPr>
         </p:nvSpPr>
-        <p:spPr/>
+        <p:spPr>
+          <a:xfrm>
+            <a:off x="929400" y="6264211"/>
+            <a:ext cx="4114800" cy="365125"/>
+          </a:xfrm>
+        </p:spPr>
         <p:txBody>
           <a:bodyPr/>
           <a:lstStyle/>
@@ -9697,7 +10660,12 @@
             <p:ph type="sldNum" sz="quarter" idx="12"/>
           </p:nvPr>
         </p:nvSpPr>
-        <p:spPr/>
+        <p:spPr>
+          <a:xfrm>
+            <a:off x="534291" y="6264211"/>
+            <a:ext cx="340352" cy="365125"/>
+          </a:xfrm>
+        </p:spPr>
         <p:txBody>
           <a:bodyPr/>
           <a:lstStyle/>
@@ -9707,16 +10675,19 @@
               <a:pPr/>
               <a:t>5</a:t>
             </a:fld>
-            <a:endParaRPr lang="nl-BE"/>
+            <a:r>
+              <a:rPr lang="nl-BE" dirty="0"/>
+              <a:t>/22</a:t>
+            </a:r>
           </a:p>
         </p:txBody>
       </p:sp>
       <p:pic>
         <p:nvPicPr>
-          <p:cNvPr id="2050" name="Picture 2" descr="Ubiquiti | Alza.cz">
-            <a:extLst>
-              <a:ext uri="{FF2B5EF4-FFF2-40B4-BE49-F238E27FC236}">
-                <a16:creationId xmlns:a16="http://schemas.microsoft.com/office/drawing/2014/main" id="{98349278-A269-848D-0597-574EE535DA19}"/>
+          <p:cNvPr id="3076" name="Picture 4" descr="Working process improvement concept icon. Agency workflow optimization idea  thin line illustration. Work result quality increase, professionalism Stock  Vector Image &amp; Art - Alamy">
+            <a:extLst>
+              <a:ext uri="{FF2B5EF4-FFF2-40B4-BE49-F238E27FC236}">
+                <a16:creationId xmlns:a16="http://schemas.microsoft.com/office/drawing/2014/main" id="{081A142F-4BE8-C294-901D-89E0D74E4161}"/>
               </a:ext>
             </a:extLst>
           </p:cNvPr>
@@ -9725,7 +10696,7 @@
           </p:cNvPicPr>
           <p:nvPr/>
         </p:nvPicPr>
-        <p:blipFill>
+        <p:blipFill rotWithShape="1">
           <a:blip r:embed="rId2">
             <a:extLst>
               <a:ext uri="{28A0092B-C50C-407E-A947-70E740481C1C}">
@@ -9733,15 +10704,13 @@
               </a:ext>
             </a:extLst>
           </a:blip>
-          <a:srcRect/>
-          <a:stretch>
-            <a:fillRect/>
-          </a:stretch>
+          <a:srcRect b="24564"/>
+          <a:stretch/>
         </p:blipFill>
         <p:spPr bwMode="auto">
           <a:xfrm>
-            <a:off x="3957061" y="3742417"/>
-            <a:ext cx="4277878" cy="1430972"/>
+            <a:off x="6630244" y="3628123"/>
+            <a:ext cx="2432733" cy="2180379"/>
           </a:xfrm>
           <a:prstGeom prst="rect">
             <a:avLst/>
@@ -9810,7 +10779,7 @@
           <a:p>
             <a:r>
               <a:rPr lang="nl-BE" dirty="0"/>
-              <a:t>Probleem stelling</a:t>
+              <a:t>Probleemstelling</a:t>
             </a:r>
           </a:p>
         </p:txBody>
@@ -9960,7 +10929,7 @@
           <a:p>
             <a:r>
               <a:rPr lang="nl-BE" dirty="0"/>
-              <a:t>Probleem stelling</a:t>
+              <a:t>Probleemstelling</a:t>
             </a:r>
           </a:p>
         </p:txBody>
@@ -9975,7 +10944,12 @@
             <p:ph type="sldNum" sz="quarter" idx="12"/>
           </p:nvPr>
         </p:nvSpPr>
-        <p:spPr/>
+        <p:spPr>
+          <a:xfrm>
+            <a:off x="534290" y="6264211"/>
+            <a:ext cx="326955" cy="365125"/>
+          </a:xfrm>
+        </p:spPr>
         <p:txBody>
           <a:bodyPr/>
           <a:lstStyle/>
@@ -9985,7 +10959,10 @@
               <a:pPr/>
               <a:t>7</a:t>
             </a:fld>
-            <a:endParaRPr lang="nl-BE"/>
+            <a:r>
+              <a:rPr lang="nl-BE" dirty="0"/>
+              <a:t>/22</a:t>
+            </a:r>
           </a:p>
         </p:txBody>
       </p:sp>
@@ -10007,7 +10984,7 @@
         </p:nvSpPr>
         <p:spPr>
           <a:xfrm>
-            <a:off x="861246" y="6264211"/>
+            <a:off x="890389" y="6264211"/>
             <a:ext cx="4860046" cy="365125"/>
           </a:xfrm>
         </p:spPr>
@@ -10049,8 +11026,8 @@
         </p:blipFill>
         <p:spPr bwMode="auto">
           <a:xfrm>
-            <a:off x="3910012" y="1495425"/>
-            <a:ext cx="4371975" cy="3867150"/>
+            <a:off x="2855167" y="228664"/>
+            <a:ext cx="6840651" cy="6050771"/>
           </a:xfrm>
           <a:prstGeom prst="rect">
             <a:avLst/>
@@ -10117,7 +11094,7 @@
           <a:p>
             <a:r>
               <a:rPr lang="nl-BE" dirty="0"/>
-              <a:t>Originele oplossing</a:t>
+              <a:t>Huidige aanpak</a:t>
             </a:r>
           </a:p>
         </p:txBody>
@@ -10223,7 +11200,7 @@
     </p:spTree>
     <p:extLst>
       <p:ext uri="{BB962C8B-B14F-4D97-AF65-F5344CB8AC3E}">
-        <p14:creationId xmlns:p14="http://schemas.microsoft.com/office/powerpoint/2010/main" val="251864690"/>
+        <p14:creationId xmlns:p14="http://schemas.microsoft.com/office/powerpoint/2010/main" val="3411472099"/>
       </p:ext>
     </p:extLst>
   </p:cSld>
@@ -10267,7 +11244,7 @@
           <a:p>
             <a:r>
               <a:rPr lang="nl-BE" dirty="0"/>
-              <a:t>Originele oplossing</a:t>
+              <a:t>Huidige aanpak</a:t>
             </a:r>
           </a:p>
         </p:txBody>
@@ -10282,7 +11259,12 @@
             <p:ph type="sldNum" sz="quarter" idx="12"/>
           </p:nvPr>
         </p:nvSpPr>
-        <p:spPr/>
+        <p:spPr>
+          <a:xfrm>
+            <a:off x="534291" y="6264211"/>
+            <a:ext cx="323314" cy="365125"/>
+          </a:xfrm>
+        </p:spPr>
         <p:txBody>
           <a:bodyPr/>
           <a:lstStyle/>
@@ -10292,7 +11274,10 @@
               <a:pPr/>
               <a:t>9</a:t>
             </a:fld>
-            <a:endParaRPr lang="nl-BE"/>
+            <a:r>
+              <a:rPr lang="nl-BE" dirty="0"/>
+              <a:t>/22</a:t>
+            </a:r>
           </a:p>
         </p:txBody>
       </p:sp>
@@ -10314,7 +11299,7 @@
         </p:nvSpPr>
         <p:spPr>
           <a:xfrm>
-            <a:off x="861246" y="6264211"/>
+            <a:off x="929400" y="6263930"/>
             <a:ext cx="4860046" cy="365125"/>
           </a:xfrm>
         </p:spPr>
@@ -10331,10 +11316,10 @@
       </p:sp>
       <p:pic>
         <p:nvPicPr>
-          <p:cNvPr id="6" name="Picture 5" descr="Full relation diagram">
-            <a:extLst>
-              <a:ext uri="{FF2B5EF4-FFF2-40B4-BE49-F238E27FC236}">
-                <a16:creationId xmlns:a16="http://schemas.microsoft.com/office/drawing/2014/main" id="{CBBD8197-AF88-D1E4-E7C3-456C57AAF6DB}"/>
+          <p:cNvPr id="5" name="Picture 4" descr="Diagram&#10;&#10;Description automatically generated">
+            <a:extLst>
+              <a:ext uri="{FF2B5EF4-FFF2-40B4-BE49-F238E27FC236}">
+                <a16:creationId xmlns:a16="http://schemas.microsoft.com/office/drawing/2014/main" id="{6E40D761-9DB8-817B-A683-870352090C34}"/>
               </a:ext>
             </a:extLst>
           </p:cNvPr>
@@ -10343,37 +11328,39 @@
           </p:cNvPicPr>
           <p:nvPr/>
         </p:nvPicPr>
-        <p:blipFill>
-          <a:blip r:embed="rId2">
+        <p:blipFill rotWithShape="1">
+          <a:blip r:embed="rId2" cstate="print">
             <a:extLst>
               <a:ext uri="{28A0092B-C50C-407E-A947-70E740481C1C}">
                 <a14:useLocalDpi xmlns:a14="http://schemas.microsoft.com/office/drawing/2010/main" val="0"/>
               </a:ext>
             </a:extLst>
           </a:blip>
-          <a:srcRect/>
-          <a:stretch>
-            <a:fillRect/>
-          </a:stretch>
+          <a:srcRect l="52450" t="34924" r="2080" b="3437"/>
+          <a:stretch/>
         </p:blipFill>
         <p:spPr bwMode="auto">
           <a:xfrm>
-            <a:off x="4169410" y="300672"/>
-            <a:ext cx="3853180" cy="6256655"/>
+            <a:off x="3293706" y="153366"/>
+            <a:ext cx="6385437" cy="6121116"/>
           </a:xfrm>
           <a:prstGeom prst="rect">
             <a:avLst/>
           </a:prstGeom>
-          <a:noFill/>
           <a:ln>
             <a:noFill/>
           </a:ln>
+          <a:extLst>
+            <a:ext uri="{53640926-AAD7-44D8-BBD7-CCE9431645EC}">
+              <a14:shadowObscured xmlns:a14="http://schemas.microsoft.com/office/drawing/2010/main"/>
+            </a:ext>
+          </a:extLst>
         </p:spPr>
       </p:pic>
     </p:spTree>
     <p:extLst>
       <p:ext uri="{BB962C8B-B14F-4D97-AF65-F5344CB8AC3E}">
-        <p14:creationId xmlns:p14="http://schemas.microsoft.com/office/powerpoint/2010/main" val="3565454665"/>
+        <p14:creationId xmlns:p14="http://schemas.microsoft.com/office/powerpoint/2010/main" val="632189722"/>
       </p:ext>
     </p:extLst>
   </p:cSld>

--- a/Documents/BachelorProef_VanMol_Gerrit_Verdediging.pptx
+++ b/Documents/BachelorProef_VanMol_Gerrit_Verdediging.pptx
@@ -752,7 +752,7 @@
           <a:p>
             <a:fld id="{D8EBF3A7-A7E5-42B6-9154-500A7CB5E3E8}" type="datetimeFigureOut">
               <a:rPr lang="nl-BE" smtClean="0"/>
-              <a:t>10/06/2022</a:t>
+              <a:t>18/06/2022</a:t>
             </a:fld>
             <a:endParaRPr lang="nl-BE"/>
           </a:p>
@@ -1020,6 +1020,213 @@
 </p:notesMaster>
 </file>
 
+<file path=ppt/notesSlides/notesSlide1.xml><?xml version="1.0" encoding="utf-8"?>
+<p:notes xmlns:a="http://schemas.openxmlformats.org/drawingml/2006/main" xmlns:r="http://schemas.openxmlformats.org/officeDocument/2006/relationships" xmlns:p="http://schemas.openxmlformats.org/presentationml/2006/main">
+  <p:cSld>
+    <p:spTree>
+      <p:nvGrpSpPr>
+        <p:cNvPr id="1" name=""/>
+        <p:cNvGrpSpPr/>
+        <p:nvPr/>
+      </p:nvGrpSpPr>
+      <p:grpSpPr>
+        <a:xfrm>
+          <a:off x="0" y="0"/>
+          <a:ext cx="0" cy="0"/>
+          <a:chOff x="0" y="0"/>
+          <a:chExt cx="0" cy="0"/>
+        </a:xfrm>
+      </p:grpSpPr>
+      <p:sp>
+        <p:nvSpPr>
+          <p:cNvPr id="2" name="Slide Image Placeholder 1"/>
+          <p:cNvSpPr>
+            <a:spLocks noGrp="1" noRot="1" noChangeAspect="1"/>
+          </p:cNvSpPr>
+          <p:nvPr>
+            <p:ph type="sldImg"/>
+          </p:nvPr>
+        </p:nvSpPr>
+        <p:spPr/>
+      </p:sp>
+      <p:sp>
+        <p:nvSpPr>
+          <p:cNvPr id="3" name="Notes Placeholder 2"/>
+          <p:cNvSpPr>
+            <a:spLocks noGrp="1"/>
+          </p:cNvSpPr>
+          <p:nvPr>
+            <p:ph type="body" idx="1"/>
+          </p:nvPr>
+        </p:nvSpPr>
+        <p:spPr/>
+        <p:txBody>
+          <a:bodyPr/>
+          <a:lstStyle/>
+          <a:p>
+            <a:r>
+              <a:rPr lang="en-BE" dirty="0"/>
+              <a:t>- Kortzichtige opstelling voor toekomst</a:t>
+            </a:r>
+          </a:p>
+          <a:p>
+            <a:endParaRPr lang="en-BE" dirty="0"/>
+          </a:p>
+          <a:p>
+            <a:r>
+              <a:rPr lang="en-BE" dirty="0"/>
+              <a:t>- Beperkt communicatie met alternatieve toestellen</a:t>
+            </a:r>
+          </a:p>
+          <a:p>
+            <a:endParaRPr lang="en-BE" dirty="0"/>
+          </a:p>
+          <a:p>
+            <a:endParaRPr lang="en-BE" dirty="0"/>
+          </a:p>
+        </p:txBody>
+      </p:sp>
+      <p:sp>
+        <p:nvSpPr>
+          <p:cNvPr id="4" name="Slide Number Placeholder 3"/>
+          <p:cNvSpPr>
+            <a:spLocks noGrp="1"/>
+          </p:cNvSpPr>
+          <p:nvPr>
+            <p:ph type="sldNum" sz="quarter" idx="5"/>
+          </p:nvPr>
+        </p:nvSpPr>
+        <p:spPr/>
+        <p:txBody>
+          <a:bodyPr/>
+          <a:lstStyle/>
+          <a:p>
+            <a:fld id="{CD6FAF20-346D-4074-B74A-C2F29A046F4B}" type="slidenum">
+              <a:rPr lang="nl-BE" smtClean="0"/>
+              <a:t>11</a:t>
+            </a:fld>
+            <a:endParaRPr lang="nl-BE"/>
+          </a:p>
+        </p:txBody>
+      </p:sp>
+    </p:spTree>
+    <p:extLst>
+      <p:ext uri="{BB962C8B-B14F-4D97-AF65-F5344CB8AC3E}">
+        <p14:creationId xmlns:p14="http://schemas.microsoft.com/office/powerpoint/2010/main" val="2170262201"/>
+      </p:ext>
+    </p:extLst>
+  </p:cSld>
+  <p:clrMapOvr>
+    <a:masterClrMapping/>
+  </p:clrMapOvr>
+</p:notes>
+</file>
+
+<file path=ppt/notesSlides/notesSlide2.xml><?xml version="1.0" encoding="utf-8"?>
+<p:notes xmlns:a="http://schemas.openxmlformats.org/drawingml/2006/main" xmlns:r="http://schemas.openxmlformats.org/officeDocument/2006/relationships" xmlns:p="http://schemas.openxmlformats.org/presentationml/2006/main">
+  <p:cSld>
+    <p:spTree>
+      <p:nvGrpSpPr>
+        <p:cNvPr id="1" name=""/>
+        <p:cNvGrpSpPr/>
+        <p:nvPr/>
+      </p:nvGrpSpPr>
+      <p:grpSpPr>
+        <a:xfrm>
+          <a:off x="0" y="0"/>
+          <a:ext cx="0" cy="0"/>
+          <a:chOff x="0" y="0"/>
+          <a:chExt cx="0" cy="0"/>
+        </a:xfrm>
+      </p:grpSpPr>
+      <p:sp>
+        <p:nvSpPr>
+          <p:cNvPr id="2" name="Slide Image Placeholder 1"/>
+          <p:cNvSpPr>
+            <a:spLocks noGrp="1" noRot="1" noChangeAspect="1"/>
+          </p:cNvSpPr>
+          <p:nvPr>
+            <p:ph type="sldImg"/>
+          </p:nvPr>
+        </p:nvSpPr>
+        <p:spPr/>
+      </p:sp>
+      <p:sp>
+        <p:nvSpPr>
+          <p:cNvPr id="3" name="Notes Placeholder 2"/>
+          <p:cNvSpPr>
+            <a:spLocks noGrp="1"/>
+          </p:cNvSpPr>
+          <p:nvPr>
+            <p:ph type="body" idx="1"/>
+          </p:nvPr>
+        </p:nvSpPr>
+        <p:spPr/>
+        <p:txBody>
+          <a:bodyPr/>
+          <a:lstStyle/>
+          <a:p>
+            <a:r>
+              <a:rPr lang="en-BE" dirty="0"/>
+              <a:t>- Meest simplistische oplossing</a:t>
+            </a:r>
+          </a:p>
+          <a:p>
+            <a:endParaRPr lang="en-BE" dirty="0"/>
+          </a:p>
+          <a:p>
+            <a:r>
+              <a:rPr lang="en-BE" dirty="0"/>
+              <a:t>- Elke firewall heeft API</a:t>
+            </a:r>
+          </a:p>
+          <a:p>
+            <a:endParaRPr lang="en-BE" dirty="0"/>
+          </a:p>
+          <a:p>
+            <a:r>
+              <a:rPr lang="en-BE" dirty="0"/>
+              <a:t>- Meest logische en voor de hand liggende oplossing</a:t>
+            </a:r>
+          </a:p>
+        </p:txBody>
+      </p:sp>
+      <p:sp>
+        <p:nvSpPr>
+          <p:cNvPr id="4" name="Slide Number Placeholder 3"/>
+          <p:cNvSpPr>
+            <a:spLocks noGrp="1"/>
+          </p:cNvSpPr>
+          <p:nvPr>
+            <p:ph type="sldNum" sz="quarter" idx="5"/>
+          </p:nvPr>
+        </p:nvSpPr>
+        <p:spPr/>
+        <p:txBody>
+          <a:bodyPr/>
+          <a:lstStyle/>
+          <a:p>
+            <a:fld id="{CD6FAF20-346D-4074-B74A-C2F29A046F4B}" type="slidenum">
+              <a:rPr lang="nl-BE" smtClean="0"/>
+              <a:t>14</a:t>
+            </a:fld>
+            <a:endParaRPr lang="nl-BE"/>
+          </a:p>
+        </p:txBody>
+      </p:sp>
+    </p:spTree>
+    <p:extLst>
+      <p:ext uri="{BB962C8B-B14F-4D97-AF65-F5344CB8AC3E}">
+        <p14:creationId xmlns:p14="http://schemas.microsoft.com/office/powerpoint/2010/main" val="3410930702"/>
+      </p:ext>
+    </p:extLst>
+  </p:cSld>
+  <p:clrMapOvr>
+    <a:masterClrMapping/>
+  </p:clrMapOvr>
+</p:notes>
+</file>
+
 <file path=ppt/slideLayouts/slideLayout1.xml><?xml version="1.0" encoding="utf-8"?>
 <p:sldLayout xmlns:a="http://schemas.openxmlformats.org/drawingml/2006/main" xmlns:r="http://schemas.openxmlformats.org/officeDocument/2006/relationships" xmlns:p="http://schemas.openxmlformats.org/presentationml/2006/main" preserve="1" userDrawn="1">
   <p:cSld name="1_Titeldia">
@@ -3687,7 +3894,7 @@
           <a:p>
             <a:fld id="{3256510D-866F-4A54-9543-AD7E04D1A349}" type="datetime1">
               <a:rPr lang="nl-BE" smtClean="0"/>
-              <a:t>10/06/2022</a:t>
+              <a:t>18/06/2022</a:t>
             </a:fld>
             <a:endParaRPr lang="en-US"/>
           </a:p>
@@ -7893,93 +8100,6 @@
           <a:chExt cx="0" cy="0"/>
         </a:xfrm>
       </p:grpSpPr>
-      <p:sp>
-        <p:nvSpPr>
-          <p:cNvPr id="2" name="Title 1"/>
-          <p:cNvSpPr>
-            <a:spLocks noGrp="1"/>
-          </p:cNvSpPr>
-          <p:nvPr>
-            <p:ph type="title"/>
-          </p:nvPr>
-        </p:nvSpPr>
-        <p:spPr/>
-        <p:txBody>
-          <a:bodyPr/>
-          <a:lstStyle/>
-          <a:p>
-            <a:r>
-              <a:rPr lang="nl-BE" dirty="0"/>
-              <a:t>Originele oplossing (Fortimanager)</a:t>
-            </a:r>
-          </a:p>
-        </p:txBody>
-      </p:sp>
-      <p:sp>
-        <p:nvSpPr>
-          <p:cNvPr id="4" name="Slide Number Placeholder 3"/>
-          <p:cNvSpPr>
-            <a:spLocks noGrp="1"/>
-          </p:cNvSpPr>
-          <p:nvPr>
-            <p:ph type="sldNum" sz="quarter" idx="12"/>
-          </p:nvPr>
-        </p:nvSpPr>
-        <p:spPr>
-          <a:xfrm>
-            <a:off x="534290" y="6264211"/>
-            <a:ext cx="385789" cy="365125"/>
-          </a:xfrm>
-        </p:spPr>
-        <p:txBody>
-          <a:bodyPr/>
-          <a:lstStyle/>
-          <a:p>
-            <a:fld id="{951AF886-4571-425F-BB1D-73D27EFBFE49}" type="slidenum">
-              <a:rPr lang="nl-BE" smtClean="0"/>
-              <a:pPr/>
-              <a:t>11</a:t>
-            </a:fld>
-            <a:r>
-              <a:rPr lang="nl-BE" dirty="0"/>
-              <a:t>/22</a:t>
-            </a:r>
-          </a:p>
-        </p:txBody>
-      </p:sp>
-      <p:sp>
-        <p:nvSpPr>
-          <p:cNvPr id="7" name="Tijdelijke aanduiding voor voettekst 2">
-            <a:extLst>
-              <a:ext uri="{FF2B5EF4-FFF2-40B4-BE49-F238E27FC236}">
-                <a16:creationId xmlns:a16="http://schemas.microsoft.com/office/drawing/2014/main" id="{260F5A91-B28F-F0A1-4668-D411DD2061E5}"/>
-              </a:ext>
-            </a:extLst>
-          </p:cNvPr>
-          <p:cNvSpPr>
-            <a:spLocks noGrp="1"/>
-          </p:cNvSpPr>
-          <p:nvPr>
-            <p:ph type="ftr" sz="quarter" idx="11"/>
-          </p:nvPr>
-        </p:nvSpPr>
-        <p:spPr>
-          <a:xfrm>
-            <a:off x="972347" y="6264211"/>
-            <a:ext cx="4860046" cy="365125"/>
-          </a:xfrm>
-        </p:spPr>
-        <p:txBody>
-          <a:bodyPr/>
-          <a:lstStyle/>
-          <a:p>
-            <a:r>
-              <a:rPr lang="nl-BE" dirty="0"/>
-              <a:t>Automatisatie van firewall configuraties en deployment</a:t>
-            </a:r>
-          </a:p>
-        </p:txBody>
-      </p:sp>
       <p:pic>
         <p:nvPicPr>
           <p:cNvPr id="6" name="Picture 5" descr="Full relation diagram">
@@ -7995,7 +8115,7 @@
           <p:nvPr/>
         </p:nvPicPr>
         <p:blipFill>
-          <a:blip r:embed="rId2">
+          <a:blip r:embed="rId3">
             <a:extLst>
               <a:ext uri="{28A0092B-C50C-407E-A947-70E740481C1C}">
                 <a14:useLocalDpi xmlns:a14="http://schemas.microsoft.com/office/drawing/2010/main" val="0"/>
@@ -8009,7 +8129,7 @@
         </p:blipFill>
         <p:spPr bwMode="auto">
           <a:xfrm>
-            <a:off x="5067333" y="31705"/>
+            <a:off x="4668778" y="35898"/>
             <a:ext cx="4179304" cy="6786203"/>
           </a:xfrm>
           <a:prstGeom prst="rect">
@@ -8021,6 +8141,93 @@
           </a:ln>
         </p:spPr>
       </p:pic>
+      <p:sp>
+        <p:nvSpPr>
+          <p:cNvPr id="2" name="Title 1"/>
+          <p:cNvSpPr>
+            <a:spLocks noGrp="1"/>
+          </p:cNvSpPr>
+          <p:nvPr>
+            <p:ph type="title"/>
+          </p:nvPr>
+        </p:nvSpPr>
+        <p:spPr/>
+        <p:txBody>
+          <a:bodyPr/>
+          <a:lstStyle/>
+          <a:p>
+            <a:r>
+              <a:rPr lang="nl-BE" dirty="0"/>
+              <a:t>Originele oplossing (Fortimanager)</a:t>
+            </a:r>
+          </a:p>
+        </p:txBody>
+      </p:sp>
+      <p:sp>
+        <p:nvSpPr>
+          <p:cNvPr id="4" name="Slide Number Placeholder 3"/>
+          <p:cNvSpPr>
+            <a:spLocks noGrp="1"/>
+          </p:cNvSpPr>
+          <p:nvPr>
+            <p:ph type="sldNum" sz="quarter" idx="12"/>
+          </p:nvPr>
+        </p:nvSpPr>
+        <p:spPr>
+          <a:xfrm>
+            <a:off x="534290" y="6264211"/>
+            <a:ext cx="385789" cy="365125"/>
+          </a:xfrm>
+        </p:spPr>
+        <p:txBody>
+          <a:bodyPr/>
+          <a:lstStyle/>
+          <a:p>
+            <a:fld id="{951AF886-4571-425F-BB1D-73D27EFBFE49}" type="slidenum">
+              <a:rPr lang="nl-BE" smtClean="0"/>
+              <a:pPr/>
+              <a:t>11</a:t>
+            </a:fld>
+            <a:r>
+              <a:rPr lang="nl-BE" dirty="0"/>
+              <a:t>/22</a:t>
+            </a:r>
+          </a:p>
+        </p:txBody>
+      </p:sp>
+      <p:sp>
+        <p:nvSpPr>
+          <p:cNvPr id="7" name="Tijdelijke aanduiding voor voettekst 2">
+            <a:extLst>
+              <a:ext uri="{FF2B5EF4-FFF2-40B4-BE49-F238E27FC236}">
+                <a16:creationId xmlns:a16="http://schemas.microsoft.com/office/drawing/2014/main" id="{260F5A91-B28F-F0A1-4668-D411DD2061E5}"/>
+              </a:ext>
+            </a:extLst>
+          </p:cNvPr>
+          <p:cNvSpPr>
+            <a:spLocks noGrp="1"/>
+          </p:cNvSpPr>
+          <p:nvPr>
+            <p:ph type="ftr" sz="quarter" idx="11"/>
+          </p:nvPr>
+        </p:nvSpPr>
+        <p:spPr>
+          <a:xfrm>
+            <a:off x="972347" y="6264211"/>
+            <a:ext cx="4860046" cy="365125"/>
+          </a:xfrm>
+        </p:spPr>
+        <p:txBody>
+          <a:bodyPr/>
+          <a:lstStyle/>
+          <a:p>
+            <a:r>
+              <a:rPr lang="nl-BE" dirty="0"/>
+              <a:t>Automatisatie van firewall configuraties en deployment</a:t>
+            </a:r>
+          </a:p>
+        </p:txBody>
+      </p:sp>
     </p:spTree>
     <p:extLst>
       <p:ext uri="{BB962C8B-B14F-4D97-AF65-F5344CB8AC3E}">
@@ -8670,6 +8877,42 @@
           <a:chExt cx="0" cy="0"/>
         </a:xfrm>
       </p:grpSpPr>
+      <p:pic>
+        <p:nvPicPr>
+          <p:cNvPr id="10" name="Picture 9" descr="Diagram&#10;&#10;Description automatically generated">
+            <a:extLst>
+              <a:ext uri="{FF2B5EF4-FFF2-40B4-BE49-F238E27FC236}">
+                <a16:creationId xmlns:a16="http://schemas.microsoft.com/office/drawing/2014/main" id="{570F6C20-9C15-DEA2-1283-EC5F8403BA01}"/>
+              </a:ext>
+            </a:extLst>
+          </p:cNvPr>
+          <p:cNvPicPr>
+            <a:picLocks noChangeAspect="1"/>
+          </p:cNvPicPr>
+          <p:nvPr/>
+        </p:nvPicPr>
+        <p:blipFill>
+          <a:blip r:embed="rId3">
+            <a:extLst>
+              <a:ext uri="{28A0092B-C50C-407E-A947-70E740481C1C}">
+                <a14:useLocalDpi xmlns:a14="http://schemas.microsoft.com/office/drawing/2010/main" val="0"/>
+              </a:ext>
+            </a:extLst>
+          </a:blip>
+          <a:stretch>
+            <a:fillRect/>
+          </a:stretch>
+        </p:blipFill>
+        <p:spPr>
+          <a:xfrm>
+            <a:off x="3901743" y="-72963"/>
+            <a:ext cx="5311942" cy="7003925"/>
+          </a:xfrm>
+          <a:prstGeom prst="rect">
+            <a:avLst/>
+          </a:prstGeom>
+        </p:spPr>
+      </p:pic>
       <p:sp>
         <p:nvSpPr>
           <p:cNvPr id="2" name="Title 1"/>
@@ -8826,42 +9069,6 @@
           </a:p>
         </p:txBody>
       </p:sp>
-      <p:pic>
-        <p:nvPicPr>
-          <p:cNvPr id="10" name="Picture 9" descr="Diagram&#10;&#10;Description automatically generated">
-            <a:extLst>
-              <a:ext uri="{FF2B5EF4-FFF2-40B4-BE49-F238E27FC236}">
-                <a16:creationId xmlns:a16="http://schemas.microsoft.com/office/drawing/2014/main" id="{570F6C20-9C15-DEA2-1283-EC5F8403BA01}"/>
-              </a:ext>
-            </a:extLst>
-          </p:cNvPr>
-          <p:cNvPicPr>
-            <a:picLocks noChangeAspect="1"/>
-          </p:cNvPicPr>
-          <p:nvPr/>
-        </p:nvPicPr>
-        <p:blipFill>
-          <a:blip r:embed="rId2">
-            <a:extLst>
-              <a:ext uri="{28A0092B-C50C-407E-A947-70E740481C1C}">
-                <a14:useLocalDpi xmlns:a14="http://schemas.microsoft.com/office/drawing/2010/main" val="0"/>
-              </a:ext>
-            </a:extLst>
-          </a:blip>
-          <a:stretch>
-            <a:fillRect/>
-          </a:stretch>
-        </p:blipFill>
-        <p:spPr>
-          <a:xfrm>
-            <a:off x="4363657" y="-72963"/>
-            <a:ext cx="5311942" cy="7003925"/>
-          </a:xfrm>
-          <a:prstGeom prst="rect">
-            <a:avLst/>
-          </a:prstGeom>
-        </p:spPr>
-      </p:pic>
     </p:spTree>
     <p:extLst>
       <p:ext uri="{BB962C8B-B14F-4D97-AF65-F5344CB8AC3E}">
@@ -9047,93 +9254,6 @@
           <a:chExt cx="0" cy="0"/>
         </a:xfrm>
       </p:grpSpPr>
-      <p:sp>
-        <p:nvSpPr>
-          <p:cNvPr id="2" name="Title 1"/>
-          <p:cNvSpPr>
-            <a:spLocks noGrp="1"/>
-          </p:cNvSpPr>
-          <p:nvPr>
-            <p:ph type="title"/>
-          </p:nvPr>
-        </p:nvSpPr>
-        <p:spPr/>
-        <p:txBody>
-          <a:bodyPr/>
-          <a:lstStyle/>
-          <a:p>
-            <a:r>
-              <a:rPr lang="nl-BE" dirty="0"/>
-              <a:t>Platform zelf</a:t>
-            </a:r>
-          </a:p>
-        </p:txBody>
-      </p:sp>
-      <p:sp>
-        <p:nvSpPr>
-          <p:cNvPr id="4" name="Slide Number Placeholder 3"/>
-          <p:cNvSpPr>
-            <a:spLocks noGrp="1"/>
-          </p:cNvSpPr>
-          <p:nvPr>
-            <p:ph type="sldNum" sz="quarter" idx="12"/>
-          </p:nvPr>
-        </p:nvSpPr>
-        <p:spPr>
-          <a:xfrm>
-            <a:off x="534290" y="6264211"/>
-            <a:ext cx="380109" cy="365125"/>
-          </a:xfrm>
-        </p:spPr>
-        <p:txBody>
-          <a:bodyPr/>
-          <a:lstStyle/>
-          <a:p>
-            <a:fld id="{951AF886-4571-425F-BB1D-73D27EFBFE49}" type="slidenum">
-              <a:rPr lang="nl-BE" smtClean="0"/>
-              <a:pPr/>
-              <a:t>16</a:t>
-            </a:fld>
-            <a:r>
-              <a:rPr lang="nl-BE" dirty="0"/>
-              <a:t>/22</a:t>
-            </a:r>
-          </a:p>
-        </p:txBody>
-      </p:sp>
-      <p:sp>
-        <p:nvSpPr>
-          <p:cNvPr id="7" name="Tijdelijke aanduiding voor voettekst 2">
-            <a:extLst>
-              <a:ext uri="{FF2B5EF4-FFF2-40B4-BE49-F238E27FC236}">
-                <a16:creationId xmlns:a16="http://schemas.microsoft.com/office/drawing/2014/main" id="{260F5A91-B28F-F0A1-4668-D411DD2061E5}"/>
-              </a:ext>
-            </a:extLst>
-          </p:cNvPr>
-          <p:cNvSpPr>
-            <a:spLocks noGrp="1"/>
-          </p:cNvSpPr>
-          <p:nvPr>
-            <p:ph type="ftr" sz="quarter" idx="11"/>
-          </p:nvPr>
-        </p:nvSpPr>
-        <p:spPr>
-          <a:xfrm>
-            <a:off x="986195" y="6264211"/>
-            <a:ext cx="4860046" cy="365125"/>
-          </a:xfrm>
-        </p:spPr>
-        <p:txBody>
-          <a:bodyPr/>
-          <a:lstStyle/>
-          <a:p>
-            <a:r>
-              <a:rPr lang="nl-BE" dirty="0"/>
-              <a:t>Automatisatie van firewall configuraties en deployment</a:t>
-            </a:r>
-          </a:p>
-        </p:txBody>
-      </p:sp>
       <p:pic>
         <p:nvPicPr>
           <p:cNvPr id="5" name="Picture 4" descr="Diagram&#10;&#10;Description automatically generated">
@@ -9161,7 +9281,7 @@
         </p:blipFill>
         <p:spPr bwMode="auto">
           <a:xfrm>
-            <a:off x="1906549" y="-1"/>
+            <a:off x="1081622" y="0"/>
             <a:ext cx="9529238" cy="6264211"/>
           </a:xfrm>
           <a:prstGeom prst="rect">
@@ -9177,6 +9297,93 @@
           </a:extLst>
         </p:spPr>
       </p:pic>
+      <p:sp>
+        <p:nvSpPr>
+          <p:cNvPr id="2" name="Title 1"/>
+          <p:cNvSpPr>
+            <a:spLocks noGrp="1"/>
+          </p:cNvSpPr>
+          <p:nvPr>
+            <p:ph type="title"/>
+          </p:nvPr>
+        </p:nvSpPr>
+        <p:spPr/>
+        <p:txBody>
+          <a:bodyPr/>
+          <a:lstStyle/>
+          <a:p>
+            <a:r>
+              <a:rPr lang="nl-BE" dirty="0"/>
+              <a:t>Platform zelf</a:t>
+            </a:r>
+          </a:p>
+        </p:txBody>
+      </p:sp>
+      <p:sp>
+        <p:nvSpPr>
+          <p:cNvPr id="4" name="Slide Number Placeholder 3"/>
+          <p:cNvSpPr>
+            <a:spLocks noGrp="1"/>
+          </p:cNvSpPr>
+          <p:nvPr>
+            <p:ph type="sldNum" sz="quarter" idx="12"/>
+          </p:nvPr>
+        </p:nvSpPr>
+        <p:spPr>
+          <a:xfrm>
+            <a:off x="534290" y="6264211"/>
+            <a:ext cx="380109" cy="365125"/>
+          </a:xfrm>
+        </p:spPr>
+        <p:txBody>
+          <a:bodyPr/>
+          <a:lstStyle/>
+          <a:p>
+            <a:fld id="{951AF886-4571-425F-BB1D-73D27EFBFE49}" type="slidenum">
+              <a:rPr lang="nl-BE" smtClean="0"/>
+              <a:pPr/>
+              <a:t>16</a:t>
+            </a:fld>
+            <a:r>
+              <a:rPr lang="nl-BE" dirty="0"/>
+              <a:t>/22</a:t>
+            </a:r>
+          </a:p>
+        </p:txBody>
+      </p:sp>
+      <p:sp>
+        <p:nvSpPr>
+          <p:cNvPr id="7" name="Tijdelijke aanduiding voor voettekst 2">
+            <a:extLst>
+              <a:ext uri="{FF2B5EF4-FFF2-40B4-BE49-F238E27FC236}">
+                <a16:creationId xmlns:a16="http://schemas.microsoft.com/office/drawing/2014/main" id="{260F5A91-B28F-F0A1-4668-D411DD2061E5}"/>
+              </a:ext>
+            </a:extLst>
+          </p:cNvPr>
+          <p:cNvSpPr>
+            <a:spLocks noGrp="1"/>
+          </p:cNvSpPr>
+          <p:nvPr>
+            <p:ph type="ftr" sz="quarter" idx="11"/>
+          </p:nvPr>
+        </p:nvSpPr>
+        <p:spPr>
+          <a:xfrm>
+            <a:off x="986195" y="6264211"/>
+            <a:ext cx="4860046" cy="365125"/>
+          </a:xfrm>
+        </p:spPr>
+        <p:txBody>
+          <a:bodyPr/>
+          <a:lstStyle/>
+          <a:p>
+            <a:r>
+              <a:rPr lang="nl-BE" dirty="0"/>
+              <a:t>Automatisatie van firewall configuraties en deployment</a:t>
+            </a:r>
+          </a:p>
+        </p:txBody>
+      </p:sp>
     </p:spTree>
     <p:extLst>
       <p:ext uri="{BB962C8B-B14F-4D97-AF65-F5344CB8AC3E}">
@@ -9818,7 +10025,7 @@
           <a:p>
             <a:r>
               <a:rPr lang="nl-BE" dirty="0"/>
-              <a:t>09/06/2022</a:t>
+              <a:t>20/06/2022</a:t>
             </a:r>
           </a:p>
         </p:txBody>
